--- a/Slides/Lesson 10.1 Patterns of Communication Between Objects.pptx
+++ b/Slides/Lesson 10.1 Patterns of Communication Between Objects.pptx
@@ -254,7 +254,7 @@
           <a:p>
             <a:fld id="{052FBD4D-E8B6-4248-BC15-2A199F374898}" type="datetimeFigureOut">
               <a:rPr lang="en-US" smtClean="0"/>
-              <a:t>11/8/2015</a:t>
+              <a:t>11/5/2016</a:t>
             </a:fld>
             <a:endParaRPr lang="en-US"/>
           </a:p>
@@ -318,38 +318,37 @@
           <a:p>
             <a:pPr lvl="0"/>
             <a:r>
-              <a:rPr lang="en-US" smtClean="0"/>
+              <a:rPr lang="en-US"/>
               <a:t>Click to edit Master text styles</a:t>
             </a:r>
           </a:p>
           <a:p>
             <a:pPr lvl="1"/>
             <a:r>
-              <a:rPr lang="en-US" smtClean="0"/>
+              <a:rPr lang="en-US"/>
               <a:t>Second level</a:t>
             </a:r>
           </a:p>
           <a:p>
             <a:pPr lvl="2"/>
             <a:r>
-              <a:rPr lang="en-US" smtClean="0"/>
+              <a:rPr lang="en-US"/>
               <a:t>Third level</a:t>
             </a:r>
           </a:p>
           <a:p>
             <a:pPr lvl="3"/>
             <a:r>
-              <a:rPr lang="en-US" smtClean="0"/>
+              <a:rPr lang="en-US"/>
               <a:t>Fourth level</a:t>
             </a:r>
           </a:p>
           <a:p>
             <a:pPr lvl="4"/>
             <a:r>
-              <a:rPr lang="en-US" smtClean="0"/>
+              <a:rPr lang="en-US"/>
               <a:t>Fifth level</a:t>
             </a:r>
-            <a:endParaRPr lang="en-US"/>
           </a:p>
         </p:txBody>
       </p:sp>
@@ -1316,10 +1315,9 @@
           <a:lstStyle/>
           <a:p>
             <a:r>
-              <a:rPr lang="en-US" smtClean="0"/>
+              <a:rPr lang="en-US"/>
               <a:t>Click to edit Master title style</a:t>
             </a:r>
-            <a:endParaRPr lang="en-US"/>
           </a:p>
         </p:txBody>
       </p:sp>
@@ -1435,10 +1433,9 @@
           </a:lstStyle>
           <a:p>
             <a:r>
-              <a:rPr lang="en-US" smtClean="0"/>
+              <a:rPr lang="en-US"/>
               <a:t>Click to edit Master subtitle style</a:t>
             </a:r>
-            <a:endParaRPr lang="en-US"/>
           </a:p>
         </p:txBody>
       </p:sp>
@@ -1459,7 +1456,7 @@
           <a:p>
             <a:fld id="{2F1F79F5-7BEC-496A-AFC7-876E38F64D71}" type="datetime1">
               <a:rPr lang="en-US" smtClean="0"/>
-              <a:t>11/8/2015</a:t>
+              <a:t>11/5/2016</a:t>
             </a:fld>
             <a:endParaRPr lang="en-US"/>
           </a:p>
@@ -1517,13 +1514,6 @@
   <p:clrMapOvr>
     <a:masterClrMapping/>
   </p:clrMapOvr>
-  <p:timing>
-    <p:tnLst>
-      <p:par>
-        <p:cTn id="1" dur="indefinite" restart="never" nodeType="tmRoot"/>
-      </p:par>
-    </p:tnLst>
-  </p:timing>
 </p:sldLayout>
 </file>
 
@@ -1560,10 +1550,9 @@
           <a:lstStyle/>
           <a:p>
             <a:r>
-              <a:rPr lang="en-US" smtClean="0"/>
+              <a:rPr lang="en-US"/>
               <a:t>Click to edit Master title style</a:t>
             </a:r>
-            <a:endParaRPr lang="en-US"/>
           </a:p>
         </p:txBody>
       </p:sp>
@@ -1584,7 +1573,7 @@
           <a:p>
             <a:fld id="{2F7B77F5-1464-4F6B-92A8-64FC8A508293}" type="datetime1">
               <a:rPr lang="en-US" smtClean="0"/>
-              <a:t>11/8/2015</a:t>
+              <a:t>11/5/2016</a:t>
             </a:fld>
             <a:endParaRPr lang="en-US"/>
           </a:p>
@@ -1642,13 +1631,6 @@
   <p:clrMapOvr>
     <a:masterClrMapping/>
   </p:clrMapOvr>
-  <p:timing>
-    <p:tnLst>
-      <p:par>
-        <p:cTn id="1" dur="indefinite" restart="never" nodeType="tmRoot"/>
-      </p:par>
-    </p:tnLst>
-  </p:timing>
 </p:sldLayout>
 </file>
 
@@ -1686,7 +1668,7 @@
           <a:p>
             <a:fld id="{0A05703A-7669-4FEA-9056-25299B4D29D4}" type="datetime1">
               <a:rPr lang="en-US" smtClean="0"/>
-              <a:t>11/8/2015</a:t>
+              <a:t>11/5/2016</a:t>
             </a:fld>
             <a:endParaRPr lang="en-US"/>
           </a:p>
@@ -1789,10 +1771,9 @@
           </a:lstStyle>
           <a:p>
             <a:r>
-              <a:rPr lang="en-US" smtClean="0"/>
+              <a:rPr lang="en-US"/>
               <a:t>Click to edit Master title style</a:t>
             </a:r>
-            <a:endParaRPr lang="en-US"/>
           </a:p>
         </p:txBody>
       </p:sp>
@@ -1846,38 +1827,37 @@
           <a:p>
             <a:pPr lvl="0"/>
             <a:r>
-              <a:rPr lang="en-US" smtClean="0"/>
+              <a:rPr lang="en-US"/>
               <a:t>Click to edit Master text styles</a:t>
             </a:r>
           </a:p>
           <a:p>
             <a:pPr lvl="1"/>
             <a:r>
-              <a:rPr lang="en-US" smtClean="0"/>
+              <a:rPr lang="en-US"/>
               <a:t>Second level</a:t>
             </a:r>
           </a:p>
           <a:p>
             <a:pPr lvl="2"/>
             <a:r>
-              <a:rPr lang="en-US" smtClean="0"/>
+              <a:rPr lang="en-US"/>
               <a:t>Third level</a:t>
             </a:r>
           </a:p>
           <a:p>
             <a:pPr lvl="3"/>
             <a:r>
-              <a:rPr lang="en-US" smtClean="0"/>
+              <a:rPr lang="en-US"/>
               <a:t>Fourth level</a:t>
             </a:r>
           </a:p>
           <a:p>
             <a:pPr lvl="4"/>
             <a:r>
-              <a:rPr lang="en-US" smtClean="0"/>
+              <a:rPr lang="en-US"/>
               <a:t>Fifth level</a:t>
             </a:r>
-            <a:endParaRPr lang="en-US"/>
           </a:p>
         </p:txBody>
       </p:sp>
@@ -1940,7 +1920,7 @@
           <a:p>
             <a:pPr lvl="0"/>
             <a:r>
-              <a:rPr lang="en-US" smtClean="0"/>
+              <a:rPr lang="en-US"/>
               <a:t>Click to edit Master text styles</a:t>
             </a:r>
           </a:p>
@@ -1963,7 +1943,7 @@
           <a:p>
             <a:fld id="{6E5077B5-BB57-49DB-88CA-226A139E5C01}" type="datetime1">
               <a:rPr lang="en-US" smtClean="0"/>
-              <a:t>11/8/2015</a:t>
+              <a:t>11/5/2016</a:t>
             </a:fld>
             <a:endParaRPr lang="en-US"/>
           </a:p>
@@ -2066,10 +2046,9 @@
           </a:lstStyle>
           <a:p>
             <a:r>
-              <a:rPr lang="en-US" smtClean="0"/>
+              <a:rPr lang="en-US"/>
               <a:t>Click to edit Master title style</a:t>
             </a:r>
-            <a:endParaRPr lang="en-US"/>
           </a:p>
         </p:txBody>
       </p:sp>
@@ -2193,7 +2172,7 @@
           <a:p>
             <a:pPr lvl="0"/>
             <a:r>
-              <a:rPr lang="en-US" smtClean="0"/>
+              <a:rPr lang="en-US"/>
               <a:t>Click to edit Master text styles</a:t>
             </a:r>
           </a:p>
@@ -2216,7 +2195,7 @@
           <a:p>
             <a:fld id="{C48D9447-CBD6-49A1-89FD-8512A8CF8999}" type="datetime1">
               <a:rPr lang="en-US" smtClean="0"/>
-              <a:t>11/8/2015</a:t>
+              <a:t>11/5/2016</a:t>
             </a:fld>
             <a:endParaRPr lang="en-US"/>
           </a:p>
@@ -2310,10 +2289,9 @@
           <a:lstStyle/>
           <a:p>
             <a:r>
-              <a:rPr lang="en-US" smtClean="0"/>
+              <a:rPr lang="en-US"/>
               <a:t>Click to edit Master title style</a:t>
             </a:r>
-            <a:endParaRPr lang="en-US"/>
           </a:p>
         </p:txBody>
       </p:sp>
@@ -2334,38 +2312,37 @@
           <a:p>
             <a:pPr lvl="0"/>
             <a:r>
-              <a:rPr lang="en-US" smtClean="0"/>
+              <a:rPr lang="en-US"/>
               <a:t>Click to edit Master text styles</a:t>
             </a:r>
           </a:p>
           <a:p>
             <a:pPr lvl="1"/>
             <a:r>
-              <a:rPr lang="en-US" smtClean="0"/>
+              <a:rPr lang="en-US"/>
               <a:t>Second level</a:t>
             </a:r>
           </a:p>
           <a:p>
             <a:pPr lvl="2"/>
             <a:r>
-              <a:rPr lang="en-US" smtClean="0"/>
+              <a:rPr lang="en-US"/>
               <a:t>Third level</a:t>
             </a:r>
           </a:p>
           <a:p>
             <a:pPr lvl="3"/>
             <a:r>
-              <a:rPr lang="en-US" smtClean="0"/>
+              <a:rPr lang="en-US"/>
               <a:t>Fourth level</a:t>
             </a:r>
           </a:p>
           <a:p>
             <a:pPr lvl="4"/>
             <a:r>
-              <a:rPr lang="en-US" smtClean="0"/>
+              <a:rPr lang="en-US"/>
               <a:t>Fifth level</a:t>
             </a:r>
-            <a:endParaRPr lang="en-US"/>
           </a:p>
         </p:txBody>
       </p:sp>
@@ -2386,7 +2363,7 @@
           <a:p>
             <a:fld id="{A3639A2A-823D-48B7-9ACE-7FAF42870BA9}" type="datetime1">
               <a:rPr lang="en-US" smtClean="0"/>
-              <a:t>11/8/2015</a:t>
+              <a:t>11/5/2016</a:t>
             </a:fld>
             <a:endParaRPr lang="en-US"/>
           </a:p>
@@ -2485,10 +2462,9 @@
           <a:lstStyle/>
           <a:p>
             <a:r>
-              <a:rPr lang="en-US" smtClean="0"/>
+              <a:rPr lang="en-US"/>
               <a:t>Click to edit Master title style</a:t>
             </a:r>
-            <a:endParaRPr lang="en-US"/>
           </a:p>
         </p:txBody>
       </p:sp>
@@ -2514,38 +2490,37 @@
           <a:p>
             <a:pPr lvl="0"/>
             <a:r>
-              <a:rPr lang="en-US" smtClean="0"/>
+              <a:rPr lang="en-US"/>
               <a:t>Click to edit Master text styles</a:t>
             </a:r>
           </a:p>
           <a:p>
             <a:pPr lvl="1"/>
             <a:r>
-              <a:rPr lang="en-US" smtClean="0"/>
+              <a:rPr lang="en-US"/>
               <a:t>Second level</a:t>
             </a:r>
           </a:p>
           <a:p>
             <a:pPr lvl="2"/>
             <a:r>
-              <a:rPr lang="en-US" smtClean="0"/>
+              <a:rPr lang="en-US"/>
               <a:t>Third level</a:t>
             </a:r>
           </a:p>
           <a:p>
             <a:pPr lvl="3"/>
             <a:r>
-              <a:rPr lang="en-US" smtClean="0"/>
+              <a:rPr lang="en-US"/>
               <a:t>Fourth level</a:t>
             </a:r>
           </a:p>
           <a:p>
             <a:pPr lvl="4"/>
             <a:r>
-              <a:rPr lang="en-US" smtClean="0"/>
+              <a:rPr lang="en-US"/>
               <a:t>Fifth level</a:t>
             </a:r>
-            <a:endParaRPr lang="en-US"/>
           </a:p>
         </p:txBody>
       </p:sp>
@@ -2566,7 +2541,7 @@
           <a:p>
             <a:fld id="{ED1B6996-82E9-463C-972C-7B56056E426C}" type="datetime1">
               <a:rPr lang="en-US" smtClean="0"/>
-              <a:t>11/8/2015</a:t>
+              <a:t>11/5/2016</a:t>
             </a:fld>
             <a:endParaRPr lang="en-US"/>
           </a:p>
@@ -2624,13 +2599,6 @@
   <p:clrMapOvr>
     <a:masterClrMapping/>
   </p:clrMapOvr>
-  <p:timing>
-    <p:tnLst>
-      <p:par>
-        <p:cTn id="1" dur="indefinite" restart="never" nodeType="tmRoot"/>
-      </p:par>
-    </p:tnLst>
-  </p:timing>
 </p:sldLayout>
 </file>
 
@@ -2673,10 +2641,9 @@
           <a:lstStyle/>
           <a:p>
             <a:r>
-              <a:rPr lang="en-US" dirty="0" smtClean="0"/>
+              <a:rPr lang="en-US" dirty="0"/>
               <a:t>Click to edit Master title style</a:t>
             </a:r>
-            <a:endParaRPr lang="en-US" dirty="0"/>
           </a:p>
         </p:txBody>
       </p:sp>
@@ -2697,38 +2664,37 @@
           <a:p>
             <a:pPr lvl="0"/>
             <a:r>
-              <a:rPr lang="en-US" smtClean="0"/>
+              <a:rPr lang="en-US"/>
               <a:t>Click to edit Master text styles</a:t>
             </a:r>
           </a:p>
           <a:p>
             <a:pPr lvl="1"/>
             <a:r>
-              <a:rPr lang="en-US" smtClean="0"/>
+              <a:rPr lang="en-US"/>
               <a:t>Second level</a:t>
             </a:r>
           </a:p>
           <a:p>
             <a:pPr lvl="2"/>
             <a:r>
-              <a:rPr lang="en-US" smtClean="0"/>
+              <a:rPr lang="en-US"/>
               <a:t>Third level</a:t>
             </a:r>
           </a:p>
           <a:p>
             <a:pPr lvl="3"/>
             <a:r>
-              <a:rPr lang="en-US" smtClean="0"/>
+              <a:rPr lang="en-US"/>
               <a:t>Fourth level</a:t>
             </a:r>
           </a:p>
           <a:p>
             <a:pPr lvl="4"/>
             <a:r>
-              <a:rPr lang="en-US" smtClean="0"/>
+              <a:rPr lang="en-US"/>
               <a:t>Fifth level</a:t>
             </a:r>
-            <a:endParaRPr lang="en-US"/>
           </a:p>
         </p:txBody>
       </p:sp>
@@ -2749,7 +2715,7 @@
           <a:p>
             <a:fld id="{E22ED4DA-448D-4BB1-B935-CC112220207B}" type="datetime1">
               <a:rPr lang="en-US" smtClean="0"/>
-              <a:t>11/8/2015</a:t>
+              <a:t>11/5/2016</a:t>
             </a:fld>
             <a:endParaRPr lang="en-US"/>
           </a:p>
@@ -2807,13 +2773,6 @@
   <p:clrMapOvr>
     <a:masterClrMapping/>
   </p:clrMapOvr>
-  <p:timing>
-    <p:tnLst>
-      <p:par>
-        <p:cTn id="1" dur="indefinite" restart="never" nodeType="tmRoot"/>
-      </p:par>
-    </p:tnLst>
-  </p:timing>
 </p:sldLayout>
 </file>
 
@@ -2850,10 +2809,9 @@
           <a:lstStyle/>
           <a:p>
             <a:r>
-              <a:rPr lang="en-US" smtClean="0"/>
+              <a:rPr lang="en-US"/>
               <a:t>Click to edit Master title style</a:t>
             </a:r>
-            <a:endParaRPr lang="en-US"/>
           </a:p>
         </p:txBody>
       </p:sp>
@@ -2879,38 +2837,37 @@
           <a:p>
             <a:pPr lvl="0"/>
             <a:r>
-              <a:rPr lang="en-US" dirty="0" smtClean="0"/>
+              <a:rPr lang="en-US" dirty="0"/>
               <a:t>Click to edit Master text styles</a:t>
             </a:r>
           </a:p>
           <a:p>
             <a:pPr lvl="1"/>
             <a:r>
-              <a:rPr lang="en-US" dirty="0" smtClean="0"/>
+              <a:rPr lang="en-US" dirty="0"/>
               <a:t>Second level</a:t>
             </a:r>
           </a:p>
           <a:p>
             <a:pPr lvl="2"/>
             <a:r>
-              <a:rPr lang="en-US" dirty="0" smtClean="0"/>
+              <a:rPr lang="en-US" dirty="0"/>
               <a:t>Third level</a:t>
             </a:r>
           </a:p>
           <a:p>
             <a:pPr lvl="3"/>
             <a:r>
-              <a:rPr lang="en-US" dirty="0" smtClean="0"/>
+              <a:rPr lang="en-US" dirty="0"/>
               <a:t>Fourth level</a:t>
             </a:r>
           </a:p>
           <a:p>
             <a:pPr lvl="4"/>
             <a:r>
-              <a:rPr lang="en-US" dirty="0" smtClean="0"/>
+              <a:rPr lang="en-US" dirty="0"/>
               <a:t>Fifth level</a:t>
             </a:r>
-            <a:endParaRPr lang="en-US" dirty="0"/>
           </a:p>
         </p:txBody>
       </p:sp>
@@ -2931,7 +2888,7 @@
           <a:p>
             <a:fld id="{E22ED4DA-448D-4BB1-B935-CC112220207B}" type="datetime1">
               <a:rPr lang="en-US" smtClean="0"/>
-              <a:t>11/8/2015</a:t>
+              <a:t>11/5/2016</a:t>
             </a:fld>
             <a:endParaRPr lang="en-US"/>
           </a:p>
@@ -3021,7 +2978,7 @@
           <a:lstStyle/>
           <a:p>
             <a:pPr algn="ctr"/>
-            <a:endParaRPr lang="en-US" dirty="0" smtClean="0">
+            <a:endParaRPr lang="en-US" dirty="0">
               <a:solidFill>
                 <a:schemeClr val="tx1"/>
               </a:solidFill>
@@ -3052,11 +3009,11 @@
           <a:lstStyle/>
           <a:p>
             <a:r>
-              <a:rPr lang="en-US" dirty="0" smtClean="0"/>
+              <a:rPr lang="en-US" dirty="0"/>
               <a:t>Resize video to this</a:t>
             </a:r>
             <a:r>
-              <a:rPr lang="en-US" baseline="0" dirty="0" smtClean="0"/>
+              <a:rPr lang="en-US" baseline="0" dirty="0"/>
               <a:t> box.</a:t>
             </a:r>
             <a:endParaRPr lang="en-US" dirty="0"/>
@@ -3073,13 +3030,6 @@
   <p:clrMapOvr>
     <a:masterClrMapping/>
   </p:clrMapOvr>
-  <p:timing>
-    <p:tnLst>
-      <p:par>
-        <p:cTn id="1" dur="indefinite" restart="never" nodeType="tmRoot"/>
-      </p:par>
-    </p:tnLst>
-  </p:timing>
 </p:sldLayout>
 </file>
 
@@ -3116,10 +3066,9 @@
           <a:lstStyle/>
           <a:p>
             <a:r>
-              <a:rPr lang="en-US" smtClean="0"/>
+              <a:rPr lang="en-US"/>
               <a:t>Click to edit Master title style</a:t>
             </a:r>
-            <a:endParaRPr lang="en-US"/>
           </a:p>
         </p:txBody>
       </p:sp>
@@ -3148,38 +3097,37 @@
           <a:p>
             <a:pPr lvl="0"/>
             <a:r>
-              <a:rPr lang="en-US" dirty="0" smtClean="0"/>
+              <a:rPr lang="en-US" dirty="0"/>
               <a:t>Click to edit Master text styles</a:t>
             </a:r>
           </a:p>
           <a:p>
             <a:pPr lvl="1"/>
             <a:r>
-              <a:rPr lang="en-US" dirty="0" smtClean="0"/>
+              <a:rPr lang="en-US" dirty="0"/>
               <a:t>Second level</a:t>
             </a:r>
           </a:p>
           <a:p>
             <a:pPr lvl="2"/>
             <a:r>
-              <a:rPr lang="en-US" dirty="0" smtClean="0"/>
+              <a:rPr lang="en-US" dirty="0"/>
               <a:t>Third level</a:t>
             </a:r>
           </a:p>
           <a:p>
             <a:pPr lvl="3"/>
             <a:r>
-              <a:rPr lang="en-US" dirty="0" smtClean="0"/>
+              <a:rPr lang="en-US" dirty="0"/>
               <a:t>Fourth level</a:t>
             </a:r>
           </a:p>
           <a:p>
             <a:pPr lvl="4"/>
             <a:r>
-              <a:rPr lang="en-US" dirty="0" smtClean="0"/>
+              <a:rPr lang="en-US" dirty="0"/>
               <a:t>Fifth level</a:t>
             </a:r>
-            <a:endParaRPr lang="en-US" dirty="0"/>
           </a:p>
         </p:txBody>
       </p:sp>
@@ -3200,7 +3148,7 @@
           <a:p>
             <a:fld id="{FF5D65A6-AB94-4435-B0B7-3743215FA46C}" type="datetime1">
               <a:rPr lang="en-US" smtClean="0"/>
-              <a:t>11/8/2015</a:t>
+              <a:t>11/5/2016</a:t>
             </a:fld>
             <a:endParaRPr lang="en-US"/>
           </a:p>
@@ -3258,13 +3206,6 @@
   <p:clrMapOvr>
     <a:masterClrMapping/>
   </p:clrMapOvr>
-  <p:timing>
-    <p:tnLst>
-      <p:par>
-        <p:cTn id="1" dur="indefinite" restart="never" nodeType="tmRoot"/>
-      </p:par>
-    </p:tnLst>
-  </p:timing>
 </p:sldLayout>
 </file>
 
@@ -3301,10 +3242,9 @@
           <a:lstStyle/>
           <a:p>
             <a:r>
-              <a:rPr lang="en-US" smtClean="0"/>
+              <a:rPr lang="en-US"/>
               <a:t>Click to edit Master title style</a:t>
             </a:r>
-            <a:endParaRPr lang="en-US"/>
           </a:p>
         </p:txBody>
       </p:sp>
@@ -3362,38 +3302,37 @@
           <a:p>
             <a:pPr lvl="0"/>
             <a:r>
-              <a:rPr lang="en-US" dirty="0" smtClean="0"/>
+              <a:rPr lang="en-US" dirty="0"/>
               <a:t>Click to edit Master text styles</a:t>
             </a:r>
           </a:p>
           <a:p>
             <a:pPr lvl="1"/>
             <a:r>
-              <a:rPr lang="en-US" dirty="0" smtClean="0"/>
+              <a:rPr lang="en-US" dirty="0"/>
               <a:t>Second level</a:t>
             </a:r>
           </a:p>
           <a:p>
             <a:pPr lvl="2"/>
             <a:r>
-              <a:rPr lang="en-US" dirty="0" smtClean="0"/>
+              <a:rPr lang="en-US" dirty="0"/>
               <a:t>Third level</a:t>
             </a:r>
           </a:p>
           <a:p>
             <a:pPr lvl="3"/>
             <a:r>
-              <a:rPr lang="en-US" dirty="0" smtClean="0"/>
+              <a:rPr lang="en-US" dirty="0"/>
               <a:t>Fourth level</a:t>
             </a:r>
           </a:p>
           <a:p>
             <a:pPr lvl="4"/>
             <a:r>
-              <a:rPr lang="en-US" dirty="0" smtClean="0"/>
+              <a:rPr lang="en-US" dirty="0"/>
               <a:t>Fifth level</a:t>
             </a:r>
-            <a:endParaRPr lang="en-US" dirty="0"/>
           </a:p>
         </p:txBody>
       </p:sp>
@@ -3451,38 +3390,37 @@
           <a:p>
             <a:pPr lvl="0"/>
             <a:r>
-              <a:rPr lang="en-US" dirty="0" smtClean="0"/>
+              <a:rPr lang="en-US" dirty="0"/>
               <a:t>Click to edit Master text styles</a:t>
             </a:r>
           </a:p>
           <a:p>
             <a:pPr lvl="1"/>
             <a:r>
-              <a:rPr lang="en-US" dirty="0" smtClean="0"/>
+              <a:rPr lang="en-US" dirty="0"/>
               <a:t>Second level</a:t>
             </a:r>
           </a:p>
           <a:p>
             <a:pPr lvl="2"/>
             <a:r>
-              <a:rPr lang="en-US" dirty="0" smtClean="0"/>
+              <a:rPr lang="en-US" dirty="0"/>
               <a:t>Third level</a:t>
             </a:r>
           </a:p>
           <a:p>
             <a:pPr lvl="3"/>
             <a:r>
-              <a:rPr lang="en-US" dirty="0" smtClean="0"/>
+              <a:rPr lang="en-US" dirty="0"/>
               <a:t>Fourth level</a:t>
             </a:r>
           </a:p>
           <a:p>
             <a:pPr lvl="4"/>
             <a:r>
-              <a:rPr lang="en-US" dirty="0" smtClean="0"/>
+              <a:rPr lang="en-US" dirty="0"/>
               <a:t>Fifth level</a:t>
             </a:r>
-            <a:endParaRPr lang="en-US" dirty="0"/>
           </a:p>
         </p:txBody>
       </p:sp>
@@ -3503,7 +3441,7 @@
           <a:p>
             <a:fld id="{5D1846AD-9252-4647-9435-4C2AC365653A}" type="datetime1">
               <a:rPr lang="en-US" smtClean="0"/>
-              <a:t>11/8/2015</a:t>
+              <a:t>11/5/2016</a:t>
             </a:fld>
             <a:endParaRPr lang="en-US"/>
           </a:p>
@@ -3597,10 +3535,9 @@
           <a:lstStyle/>
           <a:p>
             <a:r>
-              <a:rPr lang="en-US" smtClean="0"/>
+              <a:rPr lang="en-US"/>
               <a:t>Click to edit Master title style</a:t>
             </a:r>
-            <a:endParaRPr lang="en-US"/>
           </a:p>
         </p:txBody>
       </p:sp>
@@ -3629,38 +3566,37 @@
           <a:p>
             <a:pPr lvl="0"/>
             <a:r>
-              <a:rPr lang="en-US" dirty="0" smtClean="0"/>
+              <a:rPr lang="en-US" dirty="0"/>
               <a:t>Click to edit Master text styles</a:t>
             </a:r>
           </a:p>
           <a:p>
             <a:pPr lvl="1"/>
             <a:r>
-              <a:rPr lang="en-US" dirty="0" smtClean="0"/>
+              <a:rPr lang="en-US" dirty="0"/>
               <a:t>Second level</a:t>
             </a:r>
           </a:p>
           <a:p>
             <a:pPr lvl="2"/>
             <a:r>
-              <a:rPr lang="en-US" dirty="0" smtClean="0"/>
+              <a:rPr lang="en-US" dirty="0"/>
               <a:t>Third level</a:t>
             </a:r>
           </a:p>
           <a:p>
             <a:pPr lvl="3"/>
             <a:r>
-              <a:rPr lang="en-US" dirty="0" smtClean="0"/>
+              <a:rPr lang="en-US" dirty="0"/>
               <a:t>Fourth level</a:t>
             </a:r>
           </a:p>
           <a:p>
             <a:pPr lvl="4"/>
             <a:r>
-              <a:rPr lang="en-US" dirty="0" smtClean="0"/>
+              <a:rPr lang="en-US" dirty="0"/>
               <a:t>Fifth level</a:t>
             </a:r>
-            <a:endParaRPr lang="en-US" dirty="0"/>
           </a:p>
         </p:txBody>
       </p:sp>
@@ -3681,7 +3617,7 @@
           <a:p>
             <a:fld id="{FF5D65A6-AB94-4435-B0B7-3743215FA46C}" type="datetime1">
               <a:rPr lang="en-US" smtClean="0"/>
-              <a:t>11/8/2015</a:t>
+              <a:t>11/5/2016</a:t>
             </a:fld>
             <a:endParaRPr lang="en-US"/>
           </a:p>
@@ -3788,13 +3724,6 @@
   <p:clrMapOvr>
     <a:masterClrMapping/>
   </p:clrMapOvr>
-  <p:timing>
-    <p:tnLst>
-      <p:par>
-        <p:cTn id="1" dur="indefinite" restart="never" nodeType="tmRoot"/>
-      </p:par>
-    </p:tnLst>
-  </p:timing>
 </p:sldLayout>
 </file>
 
@@ -3840,10 +3769,9 @@
           </a:lstStyle>
           <a:p>
             <a:r>
-              <a:rPr lang="en-US" smtClean="0"/>
+              <a:rPr lang="en-US"/>
               <a:t>Click to edit Master title style</a:t>
             </a:r>
-            <a:endParaRPr lang="en-US"/>
           </a:p>
         </p:txBody>
       </p:sp>
@@ -3960,7 +3888,7 @@
           <a:p>
             <a:pPr lvl="0"/>
             <a:r>
-              <a:rPr lang="en-US" smtClean="0"/>
+              <a:rPr lang="en-US"/>
               <a:t>Click to edit Master text styles</a:t>
             </a:r>
           </a:p>
@@ -3983,7 +3911,7 @@
           <a:p>
             <a:fld id="{7C193DC4-6EF0-48C9-B29C-616106A645E1}" type="datetime1">
               <a:rPr lang="en-US" smtClean="0"/>
-              <a:t>11/8/2015</a:t>
+              <a:t>11/5/2016</a:t>
             </a:fld>
             <a:endParaRPr lang="en-US"/>
           </a:p>
@@ -4077,10 +4005,9 @@
           <a:lstStyle/>
           <a:p>
             <a:r>
-              <a:rPr lang="en-US" smtClean="0"/>
+              <a:rPr lang="en-US"/>
               <a:t>Click to edit Master title style</a:t>
             </a:r>
-            <a:endParaRPr lang="en-US"/>
           </a:p>
         </p:txBody>
       </p:sp>
@@ -4134,38 +4061,37 @@
           <a:p>
             <a:pPr lvl="0"/>
             <a:r>
-              <a:rPr lang="en-US" smtClean="0"/>
+              <a:rPr lang="en-US"/>
               <a:t>Click to edit Master text styles</a:t>
             </a:r>
           </a:p>
           <a:p>
             <a:pPr lvl="1"/>
             <a:r>
-              <a:rPr lang="en-US" smtClean="0"/>
+              <a:rPr lang="en-US"/>
               <a:t>Second level</a:t>
             </a:r>
           </a:p>
           <a:p>
             <a:pPr lvl="2"/>
             <a:r>
-              <a:rPr lang="en-US" smtClean="0"/>
+              <a:rPr lang="en-US"/>
               <a:t>Third level</a:t>
             </a:r>
           </a:p>
           <a:p>
             <a:pPr lvl="3"/>
             <a:r>
-              <a:rPr lang="en-US" smtClean="0"/>
+              <a:rPr lang="en-US"/>
               <a:t>Fourth level</a:t>
             </a:r>
           </a:p>
           <a:p>
             <a:pPr lvl="4"/>
             <a:r>
-              <a:rPr lang="en-US" smtClean="0"/>
+              <a:rPr lang="en-US"/>
               <a:t>Fifth level</a:t>
             </a:r>
-            <a:endParaRPr lang="en-US"/>
           </a:p>
         </p:txBody>
       </p:sp>
@@ -4219,38 +4145,37 @@
           <a:p>
             <a:pPr lvl="0"/>
             <a:r>
-              <a:rPr lang="en-US" smtClean="0"/>
+              <a:rPr lang="en-US"/>
               <a:t>Click to edit Master text styles</a:t>
             </a:r>
           </a:p>
           <a:p>
             <a:pPr lvl="1"/>
             <a:r>
-              <a:rPr lang="en-US" smtClean="0"/>
+              <a:rPr lang="en-US"/>
               <a:t>Second level</a:t>
             </a:r>
           </a:p>
           <a:p>
             <a:pPr lvl="2"/>
             <a:r>
-              <a:rPr lang="en-US" smtClean="0"/>
+              <a:rPr lang="en-US"/>
               <a:t>Third level</a:t>
             </a:r>
           </a:p>
           <a:p>
             <a:pPr lvl="3"/>
             <a:r>
-              <a:rPr lang="en-US" smtClean="0"/>
+              <a:rPr lang="en-US"/>
               <a:t>Fourth level</a:t>
             </a:r>
           </a:p>
           <a:p>
             <a:pPr lvl="4"/>
             <a:r>
-              <a:rPr lang="en-US" smtClean="0"/>
+              <a:rPr lang="en-US"/>
               <a:t>Fifth level</a:t>
             </a:r>
-            <a:endParaRPr lang="en-US"/>
           </a:p>
         </p:txBody>
       </p:sp>
@@ -4271,7 +4196,7 @@
           <a:p>
             <a:fld id="{5D1846AD-9252-4647-9435-4C2AC365653A}" type="datetime1">
               <a:rPr lang="en-US" smtClean="0"/>
-              <a:t>11/8/2015</a:t>
+              <a:t>11/5/2016</a:t>
             </a:fld>
             <a:endParaRPr lang="en-US"/>
           </a:p>
@@ -4369,10 +4294,9 @@
           </a:lstStyle>
           <a:p>
             <a:r>
-              <a:rPr lang="en-US" smtClean="0"/>
+              <a:rPr lang="en-US"/>
               <a:t>Click to edit Master title style</a:t>
             </a:r>
-            <a:endParaRPr lang="en-US"/>
           </a:p>
         </p:txBody>
       </p:sp>
@@ -4435,7 +4359,7 @@
           <a:p>
             <a:pPr lvl="0"/>
             <a:r>
-              <a:rPr lang="en-US" smtClean="0"/>
+              <a:rPr lang="en-US"/>
               <a:t>Click to edit Master text styles</a:t>
             </a:r>
           </a:p>
@@ -4491,38 +4415,37 @@
           <a:p>
             <a:pPr lvl="0"/>
             <a:r>
-              <a:rPr lang="en-US" smtClean="0"/>
+              <a:rPr lang="en-US"/>
               <a:t>Click to edit Master text styles</a:t>
             </a:r>
           </a:p>
           <a:p>
             <a:pPr lvl="1"/>
             <a:r>
-              <a:rPr lang="en-US" smtClean="0"/>
+              <a:rPr lang="en-US"/>
               <a:t>Second level</a:t>
             </a:r>
           </a:p>
           <a:p>
             <a:pPr lvl="2"/>
             <a:r>
-              <a:rPr lang="en-US" smtClean="0"/>
+              <a:rPr lang="en-US"/>
               <a:t>Third level</a:t>
             </a:r>
           </a:p>
           <a:p>
             <a:pPr lvl="3"/>
             <a:r>
-              <a:rPr lang="en-US" smtClean="0"/>
+              <a:rPr lang="en-US"/>
               <a:t>Fourth level</a:t>
             </a:r>
           </a:p>
           <a:p>
             <a:pPr lvl="4"/>
             <a:r>
-              <a:rPr lang="en-US" smtClean="0"/>
+              <a:rPr lang="en-US"/>
               <a:t>Fifth level</a:t>
             </a:r>
-            <a:endParaRPr lang="en-US"/>
           </a:p>
         </p:txBody>
       </p:sp>
@@ -4585,7 +4508,7 @@
           <a:p>
             <a:pPr lvl="0"/>
             <a:r>
-              <a:rPr lang="en-US" smtClean="0"/>
+              <a:rPr lang="en-US"/>
               <a:t>Click to edit Master text styles</a:t>
             </a:r>
           </a:p>
@@ -4641,38 +4564,37 @@
           <a:p>
             <a:pPr lvl="0"/>
             <a:r>
-              <a:rPr lang="en-US" smtClean="0"/>
+              <a:rPr lang="en-US"/>
               <a:t>Click to edit Master text styles</a:t>
             </a:r>
           </a:p>
           <a:p>
             <a:pPr lvl="1"/>
             <a:r>
-              <a:rPr lang="en-US" smtClean="0"/>
+              <a:rPr lang="en-US"/>
               <a:t>Second level</a:t>
             </a:r>
           </a:p>
           <a:p>
             <a:pPr lvl="2"/>
             <a:r>
-              <a:rPr lang="en-US" smtClean="0"/>
+              <a:rPr lang="en-US"/>
               <a:t>Third level</a:t>
             </a:r>
           </a:p>
           <a:p>
             <a:pPr lvl="3"/>
             <a:r>
-              <a:rPr lang="en-US" smtClean="0"/>
+              <a:rPr lang="en-US"/>
               <a:t>Fourth level</a:t>
             </a:r>
           </a:p>
           <a:p>
             <a:pPr lvl="4"/>
             <a:r>
-              <a:rPr lang="en-US" smtClean="0"/>
+              <a:rPr lang="en-US"/>
               <a:t>Fifth level</a:t>
             </a:r>
-            <a:endParaRPr lang="en-US"/>
           </a:p>
         </p:txBody>
       </p:sp>
@@ -4693,7 +4615,7 @@
           <a:p>
             <a:fld id="{CE56DC10-3561-4063-A6AF-C1CC7A41040A}" type="datetime1">
               <a:rPr lang="en-US" smtClean="0"/>
-              <a:t>11/8/2015</a:t>
+              <a:t>11/5/2016</a:t>
             </a:fld>
             <a:endParaRPr lang="en-US"/>
           </a:p>
@@ -4814,10 +4736,9 @@
           <a:lstStyle/>
           <a:p>
             <a:r>
-              <a:rPr lang="en-US" smtClean="0"/>
+              <a:rPr lang="en-US"/>
               <a:t>Click to edit Master title style</a:t>
             </a:r>
-            <a:endParaRPr lang="en-US"/>
           </a:p>
         </p:txBody>
       </p:sp>
@@ -4848,38 +4769,37 @@
           <a:p>
             <a:pPr lvl="0"/>
             <a:r>
-              <a:rPr lang="en-US" smtClean="0"/>
+              <a:rPr lang="en-US"/>
               <a:t>Click to edit Master text styles</a:t>
             </a:r>
           </a:p>
           <a:p>
             <a:pPr lvl="1"/>
             <a:r>
-              <a:rPr lang="en-US" smtClean="0"/>
+              <a:rPr lang="en-US"/>
               <a:t>Second level</a:t>
             </a:r>
           </a:p>
           <a:p>
             <a:pPr lvl="2"/>
             <a:r>
-              <a:rPr lang="en-US" smtClean="0"/>
+              <a:rPr lang="en-US"/>
               <a:t>Third level</a:t>
             </a:r>
           </a:p>
           <a:p>
             <a:pPr lvl="3"/>
             <a:r>
-              <a:rPr lang="en-US" smtClean="0"/>
+              <a:rPr lang="en-US"/>
               <a:t>Fourth level</a:t>
             </a:r>
           </a:p>
           <a:p>
             <a:pPr lvl="4"/>
             <a:r>
-              <a:rPr lang="en-US" smtClean="0"/>
+              <a:rPr lang="en-US"/>
               <a:t>Fifth level</a:t>
             </a:r>
-            <a:endParaRPr lang="en-US"/>
           </a:p>
         </p:txBody>
       </p:sp>
@@ -4918,7 +4838,7 @@
           <a:p>
             <a:fld id="{02B3F677-983B-48DB-ADFD-63FE6CBC7FB2}" type="datetime1">
               <a:rPr lang="en-US" smtClean="0"/>
-              <a:t>11/8/2015</a:t>
+              <a:t>11/5/2016</a:t>
             </a:fld>
             <a:endParaRPr lang="en-US"/>
           </a:p>
@@ -5027,13 +4947,6 @@
     <p:sldLayoutId id="2147483675" r:id="rId14"/>
     <p:sldLayoutId id="2147483676" r:id="rId15"/>
   </p:sldLayoutIdLst>
-  <p:timing>
-    <p:tnLst>
-      <p:par>
-        <p:cTn id="1" dur="indefinite" restart="never" nodeType="tmRoot"/>
-      </p:par>
-    </p:tnLst>
-  </p:timing>
   <p:hf hdr="0" ftr="0" dt="0"/>
   <p:txStyles>
     <p:titleStyle>
@@ -5321,10 +5234,9 @@
           <a:lstStyle/>
           <a:p>
             <a:r>
-              <a:rPr lang="en-US" dirty="0" smtClean="0"/>
+              <a:rPr lang="en-US" dirty="0"/>
               <a:t>Patterns of Communication Between Objects</a:t>
             </a:r>
-            <a:endParaRPr lang="en-US" dirty="0"/>
           </a:p>
         </p:txBody>
       </p:sp>
@@ -5344,30 +5256,29 @@
           <a:lstStyle/>
           <a:p>
             <a:r>
-              <a:rPr lang="en-US" dirty="0" smtClean="0"/>
+              <a:rPr lang="en-US" dirty="0"/>
               <a:t>CS 5010 Program Design Paradigms</a:t>
             </a:r>
           </a:p>
           <a:p>
             <a:r>
-              <a:rPr lang="en-US" dirty="0" smtClean="0"/>
+              <a:rPr lang="en-US" dirty="0"/>
               <a:t>"</a:t>
             </a:r>
             <a:r>
-              <a:rPr lang="en-US" dirty="0" err="1" smtClean="0"/>
+              <a:rPr lang="en-US" dirty="0" err="1"/>
               <a:t>Bootcamp</a:t>
             </a:r>
             <a:r>
-              <a:rPr lang="en-US" dirty="0" smtClean="0"/>
+              <a:rPr lang="en-US" dirty="0"/>
               <a:t>"</a:t>
             </a:r>
           </a:p>
           <a:p>
             <a:r>
-              <a:rPr lang="en-US" dirty="0" smtClean="0"/>
+              <a:rPr lang="en-US" dirty="0"/>
               <a:t>Lesson 10.1</a:t>
             </a:r>
-            <a:endParaRPr lang="en-US" dirty="0"/>
           </a:p>
         </p:txBody>
       </p:sp>
@@ -5463,27 +5374,13 @@
             <a:p>
               <a:r>
                 <a:rPr lang="en-US" sz="1000" dirty="0"/>
-                <a:t>© Mitchell Wand, </a:t>
-              </a:r>
-              <a:r>
-                <a:rPr lang="en-US" sz="1000" dirty="0" smtClean="0"/>
-                <a:t>2012-2015</a:t>
+                <a:t>© Mitchell Wand, 2012-2015</a:t>
               </a:r>
             </a:p>
             <a:p>
               <a:r>
-                <a:rPr lang="en-US" sz="1000" dirty="0" smtClean="0"/>
+                <a:rPr lang="en-US" sz="1000" dirty="0"/>
                 <a:t>This work is licensed under a </a:t>
-              </a:r>
-              <a:r>
-                <a:rPr lang="en-US" altLang="en-US" sz="1000" dirty="0" smtClean="0">
-                  <a:solidFill>
-                    <a:srgbClr val="4374B7"/>
-                  </a:solidFill>
-                  <a:latin typeface="Helvetica Neue"/>
-                  <a:hlinkClick r:id="rId4"/>
-                </a:rPr>
-                <a:t>Creative </a:t>
               </a:r>
               <a:r>
                 <a:rPr lang="en-US" altLang="en-US" sz="1000" dirty="0">
@@ -5493,7 +5390,7 @@
                   <a:latin typeface="Helvetica Neue"/>
                   <a:hlinkClick r:id="rId4"/>
                 </a:rPr>
-                <a:t>Commons Attribution-</a:t>
+                <a:t>Creative Commons Attribution-</a:t>
               </a:r>
               <a:r>
                 <a:rPr lang="en-US" altLang="en-US" sz="1000" dirty="0" err="1">
@@ -5516,10 +5413,9 @@
                 <a:t> 4.0 International License</a:t>
               </a:r>
               <a:r>
-                <a:rPr lang="en-US" sz="1000" dirty="0" smtClean="0"/>
+                <a:rPr lang="en-US" sz="1000" dirty="0"/>
                 <a:t>.</a:t>
               </a:r>
-              <a:endParaRPr lang="en-US" sz="1000" dirty="0"/>
             </a:p>
           </p:txBody>
         </p:sp>
@@ -5534,13 +5430,6 @@
   <p:clrMapOvr>
     <a:masterClrMapping/>
   </p:clrMapOvr>
-  <p:timing>
-    <p:tnLst>
-      <p:par>
-        <p:cTn id="1" dur="indefinite" restart="never" nodeType="tmRoot"/>
-      </p:par>
-    </p:tnLst>
-  </p:timing>
 </p:sld>
 </file>
 
@@ -5591,13 +5480,8 @@
           <a:p>
             <a:r>
               <a:rPr lang="en-US" sz="1600" dirty="0"/>
-              <a:t>  (class* object% (</a:t>
-            </a:r>
-            <a:r>
-              <a:rPr lang="en-US" sz="1600" dirty="0" smtClean="0"/>
-              <a:t>Ball-Pull&lt;%&gt;)</a:t>
-            </a:r>
-            <a:endParaRPr lang="en-US" sz="1600" dirty="0"/>
+              <a:t>  (class* object% (Ball1&lt;%&gt;)</a:t>
+            </a:r>
           </a:p>
           <a:p>
             <a:r>
@@ -5621,22 +5505,21 @@
           </a:p>
           <a:p>
             <a:r>
-              <a:rPr lang="en-US" sz="1600" dirty="0" smtClean="0"/>
+              <a:rPr lang="en-US" sz="1600" dirty="0"/>
               <a:t>    ;; STRATEGY: Ask the other ball for its data</a:t>
             </a:r>
           </a:p>
           <a:p>
             <a:r>
-              <a:rPr lang="en-US" sz="1600" dirty="0" smtClean="0"/>
+              <a:rPr lang="en-US" sz="1600" dirty="0"/>
               <a:t>    (define/public (intersects? other-b)</a:t>
             </a:r>
           </a:p>
           <a:p>
             <a:r>
-              <a:rPr lang="en-US" sz="1600" dirty="0" smtClean="0"/>
+              <a:rPr lang="en-US" sz="1600" dirty="0"/>
               <a:t>      (coordinates-intersect?</a:t>
             </a:r>
-            <a:endParaRPr lang="en-US" sz="1600" dirty="0"/>
           </a:p>
           <a:p>
             <a:r>
@@ -5662,33 +5545,13 @@
           <a:p>
             <a:r>
               <a:rPr lang="en-US" sz="1600" dirty="0"/>
-              <a:t>    ;; </a:t>
-            </a:r>
-            <a:r>
-              <a:rPr lang="en-US" sz="1600" dirty="0" smtClean="0"/>
-              <a:t>Integer^3 </a:t>
-            </a:r>
+              <a:t>    ;; Integer^3 -&gt; Boolean</a:t>
+            </a:r>
+          </a:p>
+          <a:p>
             <a:r>
               <a:rPr lang="en-US" sz="1600" dirty="0"/>
-              <a:t>-&gt; </a:t>
-            </a:r>
-            <a:r>
-              <a:rPr lang="en-US" sz="1600" dirty="0" smtClean="0"/>
-              <a:t>Boolean</a:t>
-            </a:r>
-          </a:p>
-          <a:p>
-            <a:r>
-              <a:rPr lang="en-US" sz="1600" dirty="0"/>
-              <a:t> </a:t>
-            </a:r>
-            <a:r>
-              <a:rPr lang="en-US" sz="1600" dirty="0" smtClean="0"/>
-              <a:t>   ;; </a:t>
-            </a:r>
-            <a:r>
-              <a:rPr lang="en-US" sz="1600" dirty="0"/>
-              <a:t>GIVEN: the coordinates of some ball</a:t>
+              <a:t>    ;; GIVEN: the coordinates of some ball</a:t>
             </a:r>
           </a:p>
           <a:p>
@@ -5700,23 +5563,7 @@
           <a:p>
             <a:r>
               <a:rPr lang="en-US" sz="1600" dirty="0"/>
-              <a:t>    </a:t>
-            </a:r>
-            <a:r>
-              <a:rPr lang="en-US" sz="1600" dirty="0" smtClean="0"/>
-              <a:t>(</a:t>
-            </a:r>
-            <a:r>
-              <a:rPr lang="en-US" sz="1600" dirty="0"/>
-              <a:t>define </a:t>
-            </a:r>
-            <a:r>
-              <a:rPr lang="en-US" sz="1600" dirty="0" smtClean="0"/>
-              <a:t>(coordinates-intersect? </a:t>
-            </a:r>
-            <a:r>
-              <a:rPr lang="en-US" sz="1600" dirty="0"/>
-              <a:t>other-x other-y other-r)</a:t>
+              <a:t>    (define (coordinates-intersect? other-x other-y other-r)</a:t>
             </a:r>
           </a:p>
           <a:p>
@@ -5773,19 +5620,14 @@
           <a:p>
             <a:r>
               <a:rPr lang="en-US" sz="1600" dirty="0"/>
-              <a:t>    (define/public (get-r) r</a:t>
-            </a:r>
-            <a:r>
-              <a:rPr lang="en-US" sz="1600" dirty="0" smtClean="0"/>
-              <a:t>)</a:t>
-            </a:r>
-          </a:p>
-          <a:p>
-            <a:r>
-              <a:rPr lang="en-US" sz="1600" dirty="0" smtClean="0"/>
+              <a:t>    (define/public (get-r) r)</a:t>
+            </a:r>
+          </a:p>
+          <a:p>
+            <a:r>
+              <a:rPr lang="en-US" sz="1600" dirty="0"/>
               <a:t>)) </a:t>
             </a:r>
-            <a:endParaRPr lang="en-US" sz="1600" dirty="0"/>
           </a:p>
         </p:txBody>
       </p:sp>
@@ -5821,7 +5663,7 @@
         </p:nvGrpSpPr>
         <p:grpSpPr>
           <a:xfrm>
-            <a:off x="3773213" y="1834006"/>
+            <a:off x="3773213" y="1879398"/>
             <a:ext cx="5297212" cy="914400"/>
             <a:chOff x="3247697" y="2879835"/>
             <a:chExt cx="5297212" cy="914400"/>
@@ -5841,7 +5683,14 @@
             <a:prstGeom prst="rect">
               <a:avLst/>
             </a:prstGeom>
+            <a:solidFill>
+              <a:schemeClr val="accent1">
+                <a:lumMod val="20000"/>
+                <a:lumOff val="80000"/>
+              </a:schemeClr>
+            </a:solidFill>
             <a:ln>
+              <a:noFill/>
               <a:tailEnd type="stealth" w="lg" len="lg"/>
             </a:ln>
           </p:spPr>
@@ -5865,10 +5714,9 @@
             <a:p>
               <a:pPr algn="ctr"/>
               <a:r>
-                <a:rPr lang="en-US" dirty="0" smtClean="0"/>
+                <a:rPr lang="en-US" dirty="0"/>
                 <a:t>Ask the other ball for its information</a:t>
               </a:r>
-              <a:endParaRPr lang="en-US" dirty="0"/>
             </a:p>
           </p:txBody>
         </p:sp>
@@ -5985,7 +5833,14 @@
             <a:prstGeom prst="rect">
               <a:avLst/>
             </a:prstGeom>
+            <a:solidFill>
+              <a:schemeClr val="accent1">
+                <a:lumMod val="20000"/>
+                <a:lumOff val="80000"/>
+              </a:schemeClr>
+            </a:solidFill>
             <a:ln>
+              <a:noFill/>
               <a:tailEnd type="stealth" w="lg" len="lg"/>
             </a:ln>
           </p:spPr>
@@ -6009,10 +5864,9 @@
             <a:p>
               <a:pPr algn="ctr"/>
               <a:r>
-                <a:rPr lang="en-US" dirty="0" smtClean="0"/>
+                <a:rPr lang="en-US" dirty="0"/>
                 <a:t>Do the computation here</a:t>
               </a:r>
-              <a:endParaRPr lang="en-US" dirty="0"/>
             </a:p>
           </p:txBody>
         </p:sp>
@@ -6141,7 +5995,14 @@
             <a:prstGeom prst="rect">
               <a:avLst/>
             </a:prstGeom>
+            <a:solidFill>
+              <a:schemeClr val="accent1">
+                <a:lumMod val="20000"/>
+                <a:lumOff val="80000"/>
+              </a:schemeClr>
+            </a:solidFill>
             <a:ln>
+              <a:noFill/>
               <a:tailEnd type="stealth" w="lg" len="lg"/>
             </a:ln>
           </p:spPr>
@@ -6170,10 +6031,9 @@
             <a:p>
               <a:pPr algn="ctr"/>
               <a:r>
-                <a:rPr lang="en-US" dirty="0" smtClean="0"/>
+                <a:rPr lang="en-US" dirty="0"/>
                 <a:t>Be prepared to answer if someone asks you the same questions!</a:t>
               </a:r>
-              <a:endParaRPr lang="en-US" dirty="0"/>
             </a:p>
           </p:txBody>
         </p:sp>
@@ -6294,10 +6154,9 @@
           <a:lstStyle/>
           <a:p>
             <a:r>
-              <a:rPr lang="en-US" sz="3600" dirty="0" smtClean="0"/>
+              <a:rPr lang="en-US" sz="3600" dirty="0"/>
               <a:t>Method Definitions for Pull Model</a:t>
             </a:r>
-            <a:endParaRPr lang="en-US" sz="3600" dirty="0"/>
           </a:p>
         </p:txBody>
       </p:sp>
@@ -6536,10 +6395,9 @@
           <a:lstStyle/>
           <a:p>
             <a:r>
-              <a:rPr lang="en-US" dirty="0" smtClean="0"/>
+              <a:rPr lang="en-US" dirty="0"/>
               <a:t>Pull model: what happens</a:t>
             </a:r>
-            <a:endParaRPr lang="en-US" dirty="0"/>
           </a:p>
         </p:txBody>
       </p:sp>
@@ -6553,7 +6411,12 @@
             <p:ph idx="1"/>
           </p:nvPr>
         </p:nvSpPr>
-        <p:spPr/>
+        <p:spPr>
+          <a:xfrm>
+            <a:off x="505691" y="1600200"/>
+            <a:ext cx="8229600" cy="4525963"/>
+          </a:xfrm>
+        </p:spPr>
         <p:txBody>
           <a:bodyPr/>
           <a:lstStyle/>
@@ -6569,7 +6432,7 @@
               <a:t> </a:t>
             </a:r>
             <a:r>
-              <a:rPr lang="en-US" b="1" dirty="0" smtClean="0">
+              <a:rPr lang="en-US" b="1" dirty="0">
                 <a:latin typeface="Consolas" pitchFamily="49" charset="0"/>
                 <a:cs typeface="Consolas" pitchFamily="49" charset="0"/>
               </a:rPr>
@@ -6582,31 +6445,31 @@
               <a:buAutoNum type="arabicPeriod"/>
             </a:pPr>
             <a:r>
-              <a:rPr lang="en-US" dirty="0" smtClean="0"/>
+              <a:rPr lang="en-US" dirty="0"/>
               <a:t> </a:t>
             </a:r>
             <a:r>
-              <a:rPr lang="en-US" b="1" dirty="0" smtClean="0"/>
+              <a:rPr lang="en-US" b="1" dirty="0"/>
               <a:t>b1</a:t>
             </a:r>
             <a:r>
-              <a:rPr lang="en-US" dirty="0" smtClean="0"/>
+              <a:rPr lang="en-US" dirty="0"/>
               <a:t> asks </a:t>
             </a:r>
             <a:r>
-              <a:rPr lang="en-US" b="1" dirty="0" smtClean="0"/>
+              <a:rPr lang="en-US" b="1" dirty="0"/>
               <a:t>b2</a:t>
             </a:r>
             <a:r>
-              <a:rPr lang="en-US" dirty="0" smtClean="0"/>
+              <a:rPr lang="en-US" dirty="0"/>
               <a:t> for its data.  </a:t>
             </a:r>
             <a:r>
-              <a:rPr lang="en-US" b="1" dirty="0" smtClean="0"/>
+              <a:rPr lang="en-US" b="1" dirty="0"/>
               <a:t>b2</a:t>
             </a:r>
             <a:r>
-              <a:rPr lang="en-US" dirty="0" smtClean="0"/>
+              <a:rPr lang="en-US" dirty="0"/>
               <a:t> gives it.</a:t>
             </a:r>
           </a:p>
@@ -6616,15 +6479,15 @@
               <a:buAutoNum type="arabicPeriod"/>
             </a:pPr>
             <a:r>
-              <a:rPr lang="en-US" dirty="0" smtClean="0"/>
+              <a:rPr lang="en-US" dirty="0"/>
               <a:t> then </a:t>
             </a:r>
             <a:r>
-              <a:rPr lang="en-US" b="1" dirty="0" smtClean="0"/>
+              <a:rPr lang="en-US" b="1" dirty="0"/>
               <a:t>b1</a:t>
             </a:r>
             <a:r>
-              <a:rPr lang="en-US" dirty="0" smtClean="0"/>
+              <a:rPr lang="en-US" dirty="0"/>
               <a:t> does the arithmetic.</a:t>
             </a:r>
           </a:p>
@@ -6632,41 +6495,46 @@
             <a:pPr marL="0" indent="0">
               <a:buNone/>
             </a:pPr>
-            <a:endParaRPr lang="en-US" dirty="0" smtClean="0"/>
+            <a:endParaRPr lang="en-US" dirty="0"/>
           </a:p>
           <a:p>
             <a:pPr marL="0" indent="0">
               <a:buNone/>
             </a:pPr>
-            <a:r>
-              <a:rPr lang="en-US" dirty="0" smtClean="0"/>
+            <a:endParaRPr lang="en-US" dirty="0"/>
+          </a:p>
+          <a:p>
+            <a:pPr marL="0" indent="0">
+              <a:buNone/>
+            </a:pPr>
+            <a:r>
+              <a:rPr lang="en-US" dirty="0"/>
               <a:t>OK if </a:t>
             </a:r>
             <a:r>
-              <a:rPr lang="en-US" b="1" dirty="0" smtClean="0"/>
+              <a:rPr lang="en-US" b="1" dirty="0"/>
               <a:t>x</a:t>
             </a:r>
             <a:r>
-              <a:rPr lang="en-US" dirty="0" smtClean="0"/>
+              <a:rPr lang="en-US" dirty="0"/>
               <a:t>, </a:t>
             </a:r>
             <a:r>
-              <a:rPr lang="en-US" b="1" dirty="0" smtClean="0"/>
+              <a:rPr lang="en-US" b="1" dirty="0"/>
               <a:t>y</a:t>
             </a:r>
             <a:r>
-              <a:rPr lang="en-US" dirty="0" smtClean="0"/>
+              <a:rPr lang="en-US" dirty="0"/>
               <a:t>, </a:t>
             </a:r>
             <a:r>
-              <a:rPr lang="en-US" b="1" dirty="0" smtClean="0"/>
+              <a:rPr lang="en-US" b="1" dirty="0"/>
               <a:t>r</a:t>
             </a:r>
             <a:r>
-              <a:rPr lang="en-US" dirty="0" smtClean="0"/>
+              <a:rPr lang="en-US" dirty="0"/>
               <a:t> are already observable.  But what if  they are not?</a:t>
             </a:r>
-            <a:endParaRPr lang="en-US" dirty="0"/>
           </a:p>
         </p:txBody>
       </p:sp>
@@ -6702,19 +6570,21 @@
         </p:nvSpPr>
         <p:spPr>
           <a:xfrm>
-            <a:off x="4856152" y="4569378"/>
+            <a:off x="6197600" y="3003813"/>
             <a:ext cx="2489200" cy="1280160"/>
           </a:xfrm>
           <a:prstGeom prst="rect">
             <a:avLst/>
           </a:prstGeom>
           <a:solidFill>
-            <a:schemeClr val="accent3">
-              <a:lumMod val="40000"/>
-              <a:lumOff val="60000"/>
+            <a:schemeClr val="accent1">
+              <a:lumMod val="20000"/>
+              <a:lumOff val="80000"/>
             </a:schemeClr>
           </a:solidFill>
-          <a:ln/>
+          <a:ln>
+            <a:noFill/>
+          </a:ln>
         </p:spPr>
         <p:style>
           <a:lnRef idx="2">
@@ -6741,7 +6611,7 @@
           <a:p>
             <a:pPr algn="ctr"/>
             <a:r>
-              <a:rPr lang="en-US" dirty="0" smtClean="0">
+              <a:rPr lang="en-US" dirty="0">
                 <a:solidFill>
                   <a:schemeClr val="tx1"/>
                 </a:solidFill>
@@ -6965,7 +6835,7 @@
                             </p:stCondLst>
                             <p:childTnLst>
                               <p:par>
-                                <p:cTn id="20" presetID="10" presetClass="entr" presetSubtype="0" fill="hold" nodeType="clickEffect">
+                                <p:cTn id="20" presetID="10" presetClass="entr" presetSubtype="0" fill="hold" grpId="0" nodeType="clickEffect">
                                   <p:stCondLst>
                                     <p:cond delay="0"/>
                                   </p:stCondLst>
@@ -6978,9 +6848,62 @@
                                           </p:stCondLst>
                                         </p:cTn>
                                         <p:tgtEl>
+                                          <p:spTgt spid="4"/>
+                                        </p:tgtEl>
+                                        <p:attrNameLst>
+                                          <p:attrName>style.visibility</p:attrName>
+                                        </p:attrNameLst>
+                                      </p:cBhvr>
+                                      <p:to>
+                                        <p:strVal val="visible"/>
+                                      </p:to>
+                                    </p:set>
+                                    <p:animEffect transition="in" filter="fade">
+                                      <p:cBhvr>
+                                        <p:cTn id="22" dur="500"/>
+                                        <p:tgtEl>
+                                          <p:spTgt spid="4"/>
+                                        </p:tgtEl>
+                                      </p:cBhvr>
+                                    </p:animEffect>
+                                  </p:childTnLst>
+                                </p:cTn>
+                              </p:par>
+                            </p:childTnLst>
+                          </p:cTn>
+                        </p:par>
+                      </p:childTnLst>
+                    </p:cTn>
+                  </p:par>
+                  <p:par>
+                    <p:cTn id="23" fill="hold">
+                      <p:stCondLst>
+                        <p:cond delay="indefinite"/>
+                      </p:stCondLst>
+                      <p:childTnLst>
+                        <p:par>
+                          <p:cTn id="24" fill="hold">
+                            <p:stCondLst>
+                              <p:cond delay="0"/>
+                            </p:stCondLst>
+                            <p:childTnLst>
+                              <p:par>
+                                <p:cTn id="25" presetID="10" presetClass="entr" presetSubtype="0" fill="hold" nodeType="clickEffect">
+                                  <p:stCondLst>
+                                    <p:cond delay="0"/>
+                                  </p:stCondLst>
+                                  <p:childTnLst>
+                                    <p:set>
+                                      <p:cBhvr>
+                                        <p:cTn id="26" dur="1" fill="hold">
+                                          <p:stCondLst>
+                                            <p:cond delay="0"/>
+                                          </p:stCondLst>
+                                        </p:cTn>
+                                        <p:tgtEl>
                                           <p:spTgt spid="3">
                                             <p:txEl>
-                                              <p:pRg st="4" end="4"/>
+                                              <p:pRg st="5" end="5"/>
                                             </p:txEl>
                                           </p:spTgt>
                                         </p:tgtEl>
@@ -6994,11 +6917,11 @@
                                     </p:set>
                                     <p:animEffect transition="in" filter="fade">
                                       <p:cBhvr>
-                                        <p:cTn id="22" dur="500"/>
+                                        <p:cTn id="27" dur="500"/>
                                         <p:tgtEl>
                                           <p:spTgt spid="3">
                                             <p:txEl>
-                                              <p:pRg st="4" end="4"/>
+                                              <p:pRg st="5" end="5"/>
                                             </p:txEl>
                                           </p:spTgt>
                                         </p:tgtEl>
@@ -7034,6 +6957,9 @@
         </p:cTn>
       </p:par>
     </p:tnLst>
+    <p:bldLst>
+      <p:bldP spid="4" grpId="0" animBg="1"/>
+    </p:bldLst>
   </p:timing>
 </p:sld>
 </file>
@@ -7073,44 +6999,68 @@
           <a:lstStyle/>
           <a:p>
             <a:r>
-              <a:rPr lang="en-US" dirty="0" smtClean="0"/>
+              <a:rPr lang="en-US" dirty="0"/>
               <a:t>Design #3. Push Model: the object pushes its data to the other object</a:t>
             </a:r>
+          </a:p>
+        </p:txBody>
+      </p:sp>
+      <p:sp>
+        <p:nvSpPr>
+          <p:cNvPr id="4" name="Content Placeholder 3"/>
+          <p:cNvSpPr>
+            <a:spLocks noGrp="1"/>
+          </p:cNvSpPr>
+          <p:nvPr>
+            <p:ph idx="1"/>
+          </p:nvPr>
+        </p:nvSpPr>
+        <p:spPr/>
+        <p:txBody>
+          <a:bodyPr>
+            <a:normAutofit fontScale="55000" lnSpcReduction="20000"/>
+          </a:bodyPr>
+          <a:lstStyle/>
+          <a:p>
+            <a:r>
+              <a:rPr lang="en-US" dirty="0"/>
+              <a:t>;; A Ball2 is an object of any class that implements Ball2&lt;%&gt;</a:t>
+            </a:r>
+          </a:p>
+          <a:p>
             <a:endParaRPr lang="en-US" dirty="0"/>
           </a:p>
-        </p:txBody>
-      </p:sp>
-      <p:sp>
-        <p:nvSpPr>
-          <p:cNvPr id="4" name="Content Placeholder 3"/>
-          <p:cNvSpPr>
-            <a:spLocks noGrp="1"/>
-          </p:cNvSpPr>
-          <p:nvPr>
-            <p:ph idx="1"/>
-          </p:nvPr>
-        </p:nvSpPr>
-        <p:spPr/>
-        <p:txBody>
-          <a:bodyPr>
-            <a:normAutofit fontScale="70000" lnSpcReduction="20000"/>
-          </a:bodyPr>
-          <a:lstStyle/>
-          <a:p>
-            <a:r>
-              <a:rPr lang="en-US" dirty="0"/>
-              <a:t>(define </a:t>
-            </a:r>
-            <a:r>
-              <a:rPr lang="en-US" dirty="0" smtClean="0"/>
-              <a:t>Ball-Push&lt;%&gt;</a:t>
-            </a:r>
+          <a:p>
+            <a:r>
+              <a:rPr lang="en-US" dirty="0"/>
+              <a:t>(define Ball2&lt;%&gt;</a:t>
+            </a:r>
+          </a:p>
+          <a:p>
+            <a:r>
+              <a:rPr lang="en-US" dirty="0"/>
+              <a:t>  (interface ()</a:t>
+            </a:r>
+          </a:p>
+          <a:p>
             <a:endParaRPr lang="en-US" dirty="0"/>
           </a:p>
           <a:p>
             <a:r>
               <a:rPr lang="en-US" dirty="0"/>
-              <a:t>  (interface ()</a:t>
+              <a:t>    ;; Ball2 -&gt; Boolean</a:t>
+            </a:r>
+          </a:p>
+          <a:p>
+            <a:r>
+              <a:rPr lang="en-US" dirty="0"/>
+              <a:t>    ;; does the given ball intersect this one?</a:t>
+            </a:r>
+          </a:p>
+          <a:p>
+            <a:r>
+              <a:rPr lang="en-US" dirty="0"/>
+              <a:t>    intersects?</a:t>
             </a:r>
           </a:p>
           <a:p>
@@ -7119,91 +7069,33 @@
           <a:p>
             <a:r>
               <a:rPr lang="en-US" dirty="0"/>
-              <a:t>    ;; </a:t>
-            </a:r>
-            <a:r>
-              <a:rPr lang="en-US" dirty="0" smtClean="0"/>
-              <a:t>Ball-Push&lt;%&gt; </a:t>
-            </a:r>
-            <a:r>
-              <a:rPr lang="en-US" dirty="0"/>
-              <a:t>-&gt; Boolean</a:t>
-            </a:r>
-          </a:p>
-          <a:p>
-            <a:r>
-              <a:rPr lang="en-US" dirty="0"/>
-              <a:t>    ;; does </a:t>
-            </a:r>
-            <a:r>
-              <a:rPr lang="en-US" dirty="0" smtClean="0"/>
-              <a:t>the given ball intersect this one?</a:t>
-            </a:r>
-            <a:endParaRPr lang="en-US" dirty="0"/>
-          </a:p>
-          <a:p>
-            <a:r>
-              <a:rPr lang="en-US" dirty="0"/>
-              <a:t>    intersects?</a:t>
-            </a:r>
-          </a:p>
-          <a:p>
-            <a:endParaRPr lang="en-US" dirty="0"/>
-          </a:p>
-          <a:p>
-            <a:r>
-              <a:rPr lang="en-US" dirty="0"/>
-              <a:t>    ;; </a:t>
-            </a:r>
-            <a:r>
-              <a:rPr lang="en-US" dirty="0" smtClean="0"/>
-              <a:t>Integer^3 </a:t>
-            </a:r>
-            <a:r>
-              <a:rPr lang="en-US" dirty="0"/>
-              <a:t>-&gt; Boolean</a:t>
-            </a:r>
-          </a:p>
-          <a:p>
-            <a:r>
-              <a:rPr lang="en-US" dirty="0"/>
-              <a:t>    ;; </a:t>
-            </a:r>
-            <a:r>
-              <a:rPr lang="en-US" dirty="0" smtClean="0"/>
-              <a:t>GIVEN: the </a:t>
-            </a:r>
-            <a:r>
-              <a:rPr lang="en-US" dirty="0" err="1" smtClean="0"/>
+              <a:t>    ;; Integer^3 -&gt; Boolean</a:t>
+            </a:r>
+          </a:p>
+          <a:p>
+            <a:r>
+              <a:rPr lang="en-US" dirty="0"/>
+              <a:t>    ;; GIVEN: the </a:t>
+            </a:r>
+            <a:r>
+              <a:rPr lang="en-US" dirty="0" err="1"/>
               <a:t>x,y,r</a:t>
             </a:r>
             <a:r>
-              <a:rPr lang="en-US" dirty="0" smtClean="0"/>
+              <a:rPr lang="en-US" dirty="0"/>
               <a:t> of some ball</a:t>
             </a:r>
           </a:p>
           <a:p>
             <a:r>
               <a:rPr lang="en-US" dirty="0"/>
-              <a:t> </a:t>
-            </a:r>
-            <a:r>
-              <a:rPr lang="en-US" dirty="0" smtClean="0"/>
-              <a:t>   ;; RETURNS: would that ball </a:t>
-            </a:r>
-          </a:p>
-          <a:p>
-            <a:r>
-              <a:rPr lang="en-US" dirty="0"/>
-              <a:t> </a:t>
-            </a:r>
-            <a:r>
-              <a:rPr lang="en-US" dirty="0" smtClean="0"/>
-              <a:t>   ;;  intersect with this </a:t>
-            </a:r>
-            <a:r>
-              <a:rPr lang="en-US" dirty="0"/>
-              <a:t>one?</a:t>
+              <a:t>    ;; RETURNS: would that ball </a:t>
+            </a:r>
+          </a:p>
+          <a:p>
+            <a:r>
+              <a:rPr lang="en-US" dirty="0"/>
+              <a:t>    ;;  intersect with this one?</a:t>
             </a:r>
           </a:p>
           <a:p>
@@ -7213,21 +7105,8 @@
                   <a:srgbClr val="FF0000"/>
                 </a:solidFill>
               </a:rPr>
-              <a:t>    </a:t>
-            </a:r>
-            <a:r>
-              <a:rPr lang="en-US" dirty="0" smtClean="0">
-                <a:solidFill>
-                  <a:srgbClr val="FF0000"/>
-                </a:solidFill>
-              </a:rPr>
-              <a:t>intersect-responder</a:t>
-            </a:r>
-            <a:endParaRPr lang="en-US" dirty="0">
-              <a:solidFill>
-                <a:srgbClr val="FF0000"/>
-              </a:solidFill>
-            </a:endParaRPr>
+              <a:t>    intersect-responder</a:t>
+            </a:r>
           </a:p>
           <a:p>
             <a:r>
@@ -7269,19 +7148,21 @@
         </p:nvSpPr>
         <p:spPr>
           <a:xfrm>
-            <a:off x="6443831" y="3428476"/>
+            <a:off x="6443831" y="2288528"/>
             <a:ext cx="2485016" cy="3149305"/>
           </a:xfrm>
           <a:prstGeom prst="rect">
             <a:avLst/>
           </a:prstGeom>
           <a:solidFill>
-            <a:schemeClr val="accent3">
-              <a:lumMod val="40000"/>
-              <a:lumOff val="60000"/>
+            <a:schemeClr val="accent1">
+              <a:lumMod val="20000"/>
+              <a:lumOff val="80000"/>
             </a:schemeClr>
           </a:solidFill>
-          <a:ln/>
+          <a:ln>
+            <a:noFill/>
+          </a:ln>
         </p:spPr>
         <p:style>
           <a:lnRef idx="2">
@@ -7308,15 +7189,7 @@
           <a:p>
             <a:r>
               <a:rPr lang="en-US" sz="2000" dirty="0"/>
-              <a:t>In </a:t>
-            </a:r>
-            <a:r>
-              <a:rPr lang="en-US" sz="2000" dirty="0" smtClean="0"/>
-              <a:t>this design</a:t>
-            </a:r>
-            <a:r>
-              <a:rPr lang="en-US" sz="2000" dirty="0"/>
-              <a:t>, when this ball is asked whether it intersects with some other ball, it sends its information to the other ball, and asks that ball to compute the intersection.</a:t>
+              <a:t>In this design, when this ball is asked whether it intersects with some other ball, it sends its information to the other ball, and asks that ball to compute the intersection.</a:t>
             </a:r>
           </a:p>
         </p:txBody>
@@ -7331,13 +7204,6 @@
   <p:clrMapOvr>
     <a:masterClrMapping/>
   </p:clrMapOvr>
-  <p:timing>
-    <p:tnLst>
-      <p:par>
-        <p:cTn id="1" dur="indefinite" restart="never" nodeType="tmRoot"/>
-      </p:par>
-    </p:tnLst>
-  </p:timing>
 </p:sld>
 </file>
 
@@ -7377,13 +7243,8 @@
           <a:p>
             <a:r>
               <a:rPr lang="en-US" dirty="0"/>
-              <a:t>So now we have two </a:t>
-            </a:r>
-            <a:r>
-              <a:rPr lang="en-US" dirty="0" smtClean="0"/>
-              <a:t>methods</a:t>
-            </a:r>
-            <a:endParaRPr lang="en-US" dirty="0"/>
+              <a:t>So now we have two methods</a:t>
+            </a:r>
           </a:p>
         </p:txBody>
       </p:sp>
@@ -7417,16 +7278,12 @@
           </a:p>
           <a:p>
             <a:r>
-              <a:rPr lang="en-US" b="1" dirty="0" smtClean="0"/>
+              <a:rPr lang="en-US" b="1" dirty="0"/>
               <a:t>intersect-responder</a:t>
             </a:r>
             <a:r>
-              <a:rPr lang="en-US" dirty="0" smtClean="0"/>
-              <a:t> </a:t>
-            </a:r>
-            <a:r>
-              <a:rPr lang="en-US" dirty="0"/>
-              <a:t>responds to the request, computing whether or not there is an intersection between the two balls.</a:t>
+              <a:rPr lang="en-US" dirty="0"/>
+              <a:t> responds to the request, computing whether or not there is an intersection between the two balls.</a:t>
             </a:r>
           </a:p>
           <a:p>
@@ -7468,13 +7325,6 @@
   <p:clrMapOvr>
     <a:masterClrMapping/>
   </p:clrMapOvr>
-  <p:timing>
-    <p:tnLst>
-      <p:par>
-        <p:cTn id="1" dur="indefinite" restart="never" nodeType="tmRoot"/>
-      </p:par>
-    </p:tnLst>
-  </p:timing>
 </p:sld>
 </file>
 
@@ -7511,10 +7361,9 @@
           <a:lstStyle/>
           <a:p>
             <a:r>
-              <a:rPr lang="en-US" dirty="0" smtClean="0"/>
+              <a:rPr lang="en-US" dirty="0"/>
               <a:t>Method Definitions for push model</a:t>
             </a:r>
-            <a:endParaRPr lang="en-US" dirty="0"/>
           </a:p>
         </p:txBody>
       </p:sp>
@@ -7537,29 +7386,8 @@
           <a:p>
             <a:r>
               <a:rPr lang="en-US" dirty="0"/>
-              <a:t>;; A Ball2 is a (new Ball2% [x </a:t>
-            </a:r>
-            <a:r>
-              <a:rPr lang="en-US" dirty="0" smtClean="0"/>
-              <a:t>Integer][</a:t>
-            </a:r>
-            <a:r>
-              <a:rPr lang="en-US" dirty="0"/>
-              <a:t>y </a:t>
-            </a:r>
-            <a:r>
-              <a:rPr lang="en-US" dirty="0" smtClean="0"/>
-              <a:t>Integer][</a:t>
-            </a:r>
-            <a:r>
-              <a:rPr lang="en-US" dirty="0"/>
-              <a:t>r </a:t>
-            </a:r>
-            <a:r>
-              <a:rPr lang="en-US" dirty="0" smtClean="0"/>
-              <a:t>Integer])</a:t>
-            </a:r>
-            <a:endParaRPr lang="en-US" dirty="0"/>
+              <a:t>;; A Ball2 is a (new Ball2% [x Integer][y Integer][r Integer])</a:t>
+            </a:r>
           </a:p>
           <a:p>
             <a:r>
@@ -7570,13 +7398,8 @@
           <a:p>
             <a:r>
               <a:rPr lang="en-US" dirty="0"/>
-              <a:t>  (class* object% (</a:t>
-            </a:r>
-            <a:r>
-              <a:rPr lang="en-US" dirty="0" smtClean="0"/>
-              <a:t>Ball-Push&lt;%&gt;)</a:t>
-            </a:r>
-            <a:endParaRPr lang="en-US" dirty="0"/>
+              <a:t>  (class* object% (Ball-Push&lt;%&gt;)</a:t>
+            </a:r>
           </a:p>
           <a:p>
             <a:r>
@@ -7610,15 +7433,7 @@
           <a:p>
             <a:r>
               <a:rPr lang="en-US" dirty="0"/>
-              <a:t>      (send other-b </a:t>
-            </a:r>
-            <a:r>
-              <a:rPr lang="en-US" dirty="0" smtClean="0"/>
-              <a:t>intersect-responder x </a:t>
-            </a:r>
-            <a:r>
-              <a:rPr lang="en-US" dirty="0"/>
-              <a:t>y r))</a:t>
+              <a:t>      (send other-b intersect-responder x y r))</a:t>
             </a:r>
           </a:p>
           <a:p>
@@ -7627,33 +7442,13 @@
           <a:p>
             <a:r>
               <a:rPr lang="en-US" dirty="0"/>
-              <a:t>    ;; </a:t>
-            </a:r>
-            <a:r>
-              <a:rPr lang="en-US" dirty="0" smtClean="0"/>
-              <a:t>Integer^3 </a:t>
-            </a:r>
-            <a:r>
-              <a:rPr lang="en-US" dirty="0"/>
-              <a:t>-&gt; </a:t>
-            </a:r>
-            <a:r>
-              <a:rPr lang="en-US" dirty="0" smtClean="0"/>
-              <a:t>Boolean</a:t>
-            </a:r>
-          </a:p>
-          <a:p>
-            <a:r>
-              <a:rPr lang="en-US" dirty="0"/>
-              <a:t> </a:t>
-            </a:r>
-            <a:r>
-              <a:rPr lang="en-US" dirty="0" smtClean="0"/>
-              <a:t>   ;; </a:t>
-            </a:r>
-            <a:r>
-              <a:rPr lang="en-US" dirty="0"/>
-              <a:t>GIVEN: the coordinates of some ball</a:t>
+              <a:t>    ;; Integer^3 -&gt; Boolean</a:t>
+            </a:r>
+          </a:p>
+          <a:p>
+            <a:r>
+              <a:rPr lang="en-US" dirty="0"/>
+              <a:t>    ;; GIVEN: the coordinates of some ball</a:t>
             </a:r>
           </a:p>
           <a:p>
@@ -7665,30 +7460,13 @@
           <a:p>
             <a:r>
               <a:rPr lang="en-US" dirty="0"/>
-              <a:t>    </a:t>
-            </a:r>
-            <a:r>
-              <a:rPr lang="en-US" dirty="0" smtClean="0"/>
-              <a:t>(</a:t>
-            </a:r>
-            <a:r>
-              <a:rPr lang="en-US" dirty="0"/>
-              <a:t>define/public </a:t>
-            </a:r>
-            <a:endParaRPr lang="en-US" dirty="0" smtClean="0"/>
-          </a:p>
-          <a:p>
-            <a:r>
-              <a:rPr lang="en-US" dirty="0"/>
-              <a:t> </a:t>
-            </a:r>
-            <a:r>
-              <a:rPr lang="en-US" dirty="0" smtClean="0"/>
-              <a:t>     (intersect-responder other-x </a:t>
-            </a:r>
-            <a:r>
-              <a:rPr lang="en-US" dirty="0"/>
-              <a:t>other-y other-r)</a:t>
+              <a:t>    (define/public </a:t>
+            </a:r>
+          </a:p>
+          <a:p>
+            <a:r>
+              <a:rPr lang="en-US" dirty="0"/>
+              <a:t>      (intersect-responder other-x other-y other-r)</a:t>
             </a:r>
           </a:p>
           <a:p>
@@ -7724,15 +7502,7 @@
             </a:r>
             <a:r>
               <a:rPr lang="en-US" dirty="0"/>
-              <a:t> </a:t>
-            </a:r>
-            <a:r>
-              <a:rPr lang="en-US" dirty="0" smtClean="0"/>
-              <a:t>(- </a:t>
-            </a:r>
-            <a:r>
-              <a:rPr lang="en-US" dirty="0"/>
-              <a:t>r other-r))))</a:t>
+              <a:t> (- r other-r))))</a:t>
             </a:r>
           </a:p>
           <a:p>
@@ -7756,7 +7526,12 @@
             <p:ph type="sldNum" sz="quarter" idx="12"/>
           </p:nvPr>
         </p:nvSpPr>
-        <p:spPr/>
+        <p:spPr>
+          <a:xfrm>
+            <a:off x="6608618" y="6238586"/>
+            <a:ext cx="2133600" cy="365125"/>
+          </a:xfrm>
+        </p:spPr>
         <p:txBody>
           <a:bodyPr/>
           <a:lstStyle/>
@@ -7784,7 +7559,14 @@
           <a:prstGeom prst="rect">
             <a:avLst/>
           </a:prstGeom>
+          <a:solidFill>
+            <a:schemeClr val="accent1">
+              <a:lumMod val="20000"/>
+              <a:lumOff val="80000"/>
+            </a:schemeClr>
+          </a:solidFill>
           <a:ln>
+            <a:noFill/>
             <a:tailEnd type="stealth" w="lg" len="lg"/>
           </a:ln>
         </p:spPr>
@@ -7813,10 +7595,9 @@
           <a:p>
             <a:pPr algn="ctr"/>
             <a:r>
-              <a:rPr lang="en-US" dirty="0" smtClean="0"/>
+              <a:rPr lang="en-US" dirty="0"/>
               <a:t>Send your data to the other ball and ask him to finish the computation</a:t>
             </a:r>
-            <a:endParaRPr lang="en-US" dirty="0"/>
           </a:p>
         </p:txBody>
       </p:sp>
@@ -7863,10 +7644,9 @@
           <a:p>
             <a:pPr algn="ctr"/>
             <a:r>
-              <a:rPr lang="en-US" dirty="0" smtClean="0"/>
+              <a:rPr lang="en-US" dirty="0"/>
               <a:t>If someone asks you a question, be prepared to answer it</a:t>
             </a:r>
-            <a:endParaRPr lang="en-US" dirty="0"/>
           </a:p>
         </p:txBody>
       </p:sp>
@@ -8056,10 +7836,9 @@
           <a:lstStyle/>
           <a:p>
             <a:r>
-              <a:rPr lang="en-US" dirty="0" smtClean="0"/>
+              <a:rPr lang="en-US" dirty="0"/>
               <a:t>Push model: what happens</a:t>
             </a:r>
-            <a:endParaRPr lang="en-US" dirty="0"/>
           </a:p>
         </p:txBody>
       </p:sp>
@@ -8083,11 +7862,11 @@
               <a:buAutoNum type="arabicPeriod"/>
             </a:pPr>
             <a:r>
-              <a:rPr lang="en-US" dirty="0" smtClean="0"/>
+              <a:rPr lang="en-US" dirty="0"/>
               <a:t> </a:t>
             </a:r>
             <a:r>
-              <a:rPr lang="en-US" b="1" dirty="0" smtClean="0">
+              <a:rPr lang="en-US" b="1" dirty="0">
                 <a:latin typeface="Consolas" pitchFamily="49" charset="0"/>
                 <a:cs typeface="Consolas" pitchFamily="49" charset="0"/>
               </a:rPr>
@@ -8100,7 +7879,7 @@
               <a:buAutoNum type="arabicPeriod"/>
             </a:pPr>
             <a:r>
-              <a:rPr lang="en-US" dirty="0" smtClean="0"/>
+              <a:rPr lang="en-US" dirty="0"/>
               <a:t>b1 sends its data to b2</a:t>
             </a:r>
           </a:p>
@@ -8110,17 +7889,16 @@
               <a:buAutoNum type="arabicPeriod"/>
             </a:pPr>
             <a:r>
-              <a:rPr lang="en-US" dirty="0" smtClean="0"/>
+              <a:rPr lang="en-US" dirty="0"/>
               <a:t>b2 answers the question.</a:t>
             </a:r>
-            <a:endParaRPr lang="en-US" dirty="0"/>
           </a:p>
           <a:p>
             <a:pPr marL="0" indent="0">
               <a:buNone/>
             </a:pPr>
             <a:r>
-              <a:rPr lang="en-US" dirty="0" smtClean="0"/>
+              <a:rPr lang="en-US" dirty="0"/>
               <a:t>This is sometimes called “double dispatch”</a:t>
             </a:r>
           </a:p>
@@ -8129,10 +7907,9 @@
               <a:buNone/>
             </a:pPr>
             <a:r>
-              <a:rPr lang="en-US" dirty="0" smtClean="0"/>
+              <a:rPr lang="en-US" dirty="0"/>
               <a:t>b2 doesn’t know who’s asking.</a:t>
             </a:r>
-            <a:endParaRPr lang="en-US" dirty="0"/>
           </a:p>
         </p:txBody>
       </p:sp>
@@ -8175,12 +7952,14 @@
             <a:avLst/>
           </a:prstGeom>
           <a:solidFill>
-            <a:schemeClr val="accent3">
-              <a:lumMod val="40000"/>
-              <a:lumOff val="60000"/>
+            <a:schemeClr val="accent1">
+              <a:lumMod val="20000"/>
+              <a:lumOff val="80000"/>
             </a:schemeClr>
           </a:solidFill>
-          <a:ln/>
+          <a:ln>
+            <a:noFill/>
+          </a:ln>
         </p:spPr>
         <p:style>
           <a:lnRef idx="2">
@@ -8206,12 +7985,8 @@
           <a:lstStyle/>
           <a:p>
             <a:r>
-              <a:rPr lang="en-US" dirty="0" smtClean="0"/>
-              <a:t>A </a:t>
-            </a:r>
-            <a:r>
-              <a:rPr lang="en-US" dirty="0"/>
-              <a:t>related pattern is called “the visitor pattern.”  This is a variation of this design when one of the structures is itemization data.  We don’t have time in this course to deal with the visitor pattern, but you should now be equipped to learn about it.</a:t>
+              <a:rPr lang="en-US" dirty="0"/>
+              <a:t>A related pattern is called “the visitor pattern.”  This is a variation of this design when one of the structures is itemization data.  We don’t have time in this course to deal with the visitor pattern, but you should now be equipped to learn about it.</a:t>
             </a:r>
           </a:p>
         </p:txBody>
@@ -8231,12 +8006,14 @@
             <a:avLst/>
           </a:prstGeom>
           <a:solidFill>
-            <a:schemeClr val="accent3">
-              <a:lumMod val="40000"/>
-              <a:lumOff val="60000"/>
+            <a:schemeClr val="accent1">
+              <a:lumMod val="20000"/>
+              <a:lumOff val="80000"/>
             </a:schemeClr>
           </a:solidFill>
-          <a:ln/>
+          <a:ln>
+            <a:noFill/>
+          </a:ln>
         </p:spPr>
         <p:style>
           <a:lnRef idx="2">
@@ -8291,12 +8068,14 @@
             <a:avLst/>
           </a:prstGeom>
           <a:solidFill>
-            <a:schemeClr val="accent3">
-              <a:lumMod val="40000"/>
-              <a:lumOff val="60000"/>
+            <a:schemeClr val="accent1">
+              <a:lumMod val="20000"/>
+              <a:lumOff val="80000"/>
             </a:schemeClr>
           </a:solidFill>
-          <a:ln/>
+          <a:ln>
+            <a:noFill/>
+          </a:ln>
         </p:spPr>
         <p:style>
           <a:lnRef idx="2">
@@ -8691,10 +8470,9 @@
           <a:lstStyle/>
           <a:p>
             <a:r>
-              <a:rPr lang="en-US" dirty="0" smtClean="0"/>
+              <a:rPr lang="en-US" dirty="0"/>
               <a:t>Push or pull: how to choose?</a:t>
             </a:r>
-            <a:endParaRPr lang="en-US" dirty="0"/>
           </a:p>
         </p:txBody>
       </p:sp>
@@ -8716,33 +8494,33 @@
           <a:lstStyle/>
           <a:p>
             <a:r>
-              <a:rPr lang="en-US" dirty="0" smtClean="0"/>
+              <a:rPr lang="en-US" dirty="0"/>
               <a:t>Most of the time the answer is clear: most operations naturally act on a particular object.</a:t>
             </a:r>
           </a:p>
           <a:p>
             <a:r>
-              <a:rPr lang="en-US" dirty="0" smtClean="0"/>
+              <a:rPr lang="en-US" dirty="0"/>
               <a:t>Operations should happen in the object where the data resides</a:t>
             </a:r>
           </a:p>
           <a:p>
             <a:pPr lvl="1"/>
             <a:r>
-              <a:rPr lang="en-US" dirty="0" smtClean="0"/>
+              <a:rPr lang="en-US" dirty="0"/>
               <a:t>our first attempt was not good design</a:t>
             </a:r>
           </a:p>
           <a:p>
             <a:r>
-              <a:rPr lang="en-US" dirty="0" smtClean="0"/>
+              <a:rPr lang="en-US" dirty="0"/>
               <a:t>Binary operations like intersect? are relatively rare in practice</a:t>
             </a:r>
           </a:p>
           <a:p>
             <a:pPr lvl="1"/>
             <a:r>
-              <a:rPr lang="en-US" dirty="0" smtClean="0"/>
+              <a:rPr lang="en-US" dirty="0"/>
               <a:t>either design 2 or design 3 would be ok for our purposes</a:t>
             </a:r>
           </a:p>
@@ -8786,13 +8564,6 @@
   <p:clrMapOvr>
     <a:masterClrMapping/>
   </p:clrMapOvr>
-  <p:timing>
-    <p:tnLst>
-      <p:par>
-        <p:cTn id="1" dur="indefinite" restart="never" nodeType="tmRoot"/>
-      </p:par>
-    </p:tnLst>
-  </p:timing>
 </p:sld>
 </file>
 
@@ -8829,10 +8600,9 @@
           <a:lstStyle/>
           <a:p>
             <a:r>
-              <a:rPr lang="en-US" dirty="0" smtClean="0"/>
+              <a:rPr lang="en-US" dirty="0"/>
               <a:t>Lesson Summary</a:t>
             </a:r>
-            <a:endParaRPr lang="en-US" dirty="0"/>
           </a:p>
         </p:txBody>
       </p:sp>
@@ -8854,37 +8624,36 @@
           <a:lstStyle/>
           <a:p>
             <a:r>
-              <a:rPr lang="en-US" dirty="0" smtClean="0"/>
+              <a:rPr lang="en-US" dirty="0"/>
               <a:t>Sometimes you need to combine data from two objects.   </a:t>
             </a:r>
           </a:p>
           <a:p>
             <a:r>
-              <a:rPr lang="en-US" dirty="0" smtClean="0"/>
+              <a:rPr lang="en-US" dirty="0"/>
               <a:t>The data could be combined in 3 possible places:</a:t>
             </a:r>
           </a:p>
           <a:p>
             <a:pPr lvl="1"/>
             <a:r>
-              <a:rPr lang="en-US" dirty="0" smtClean="0"/>
+              <a:rPr lang="en-US" dirty="0"/>
               <a:t>some external function (typical in functional organization, but generally considered bad OO design)</a:t>
             </a:r>
           </a:p>
           <a:p>
             <a:pPr lvl="1"/>
             <a:r>
-              <a:rPr lang="en-US" dirty="0" smtClean="0"/>
+              <a:rPr lang="en-US" dirty="0"/>
               <a:t>asking the other object to give you its data ("pull" model)</a:t>
             </a:r>
           </a:p>
           <a:p>
             <a:pPr lvl="1"/>
             <a:r>
-              <a:rPr lang="en-US" dirty="0" smtClean="0"/>
+              <a:rPr lang="en-US" dirty="0"/>
               <a:t>sending your information to the other object, and asking it to do the computation ("push" model)</a:t>
             </a:r>
-            <a:endParaRPr lang="en-US" dirty="0"/>
           </a:p>
         </p:txBody>
       </p:sp>
@@ -8922,13 +8691,6 @@
   <p:clrMapOvr>
     <a:masterClrMapping/>
   </p:clrMapOvr>
-  <p:timing>
-    <p:tnLst>
-      <p:par>
-        <p:cTn id="1" dur="indefinite" restart="never" nodeType="tmRoot"/>
-      </p:par>
-    </p:tnLst>
-  </p:timing>
 </p:sld>
 </file>
 
@@ -8965,63 +8727,61 @@
           <a:lstStyle/>
           <a:p>
             <a:r>
-              <a:rPr lang="en-US" dirty="0" smtClean="0"/>
+              <a:rPr lang="en-US" dirty="0"/>
               <a:t>Next Steps</a:t>
             </a:r>
+          </a:p>
+        </p:txBody>
+      </p:sp>
+      <p:sp>
+        <p:nvSpPr>
+          <p:cNvPr id="3" name="Content Placeholder 2"/>
+          <p:cNvSpPr>
+            <a:spLocks noGrp="1"/>
+          </p:cNvSpPr>
+          <p:nvPr>
+            <p:ph idx="1"/>
+          </p:nvPr>
+        </p:nvSpPr>
+        <p:spPr/>
+        <p:txBody>
+          <a:bodyPr/>
+          <a:lstStyle/>
+          <a:p>
+            <a:r>
+              <a:rPr lang="en-US" dirty="0"/>
+              <a:t>Study 10-1-communicating-objects.rkt in the Examples folder</a:t>
+            </a:r>
+          </a:p>
+          <a:p>
+            <a:r>
+              <a:rPr lang="en-US" dirty="0"/>
+              <a:t>If you have questions about this lesson, ask them on the Discussion Board</a:t>
+            </a:r>
+          </a:p>
+          <a:p>
+            <a:r>
+              <a:rPr lang="en-US" dirty="0"/>
+              <a:t>Think about the following question:</a:t>
+            </a:r>
+          </a:p>
+          <a:p>
+            <a:pPr lvl="1"/>
+            <a:r>
+              <a:rPr lang="en-US" dirty="0"/>
+              <a:t>How would </a:t>
+            </a:r>
+            <a:r>
+              <a:rPr lang="en-US"/>
+              <a:t>b1 know about b2?</a:t>
+            </a:r>
             <a:endParaRPr lang="en-US" dirty="0"/>
           </a:p>
-        </p:txBody>
-      </p:sp>
-      <p:sp>
-        <p:nvSpPr>
-          <p:cNvPr id="3" name="Content Placeholder 2"/>
-          <p:cNvSpPr>
-            <a:spLocks noGrp="1"/>
-          </p:cNvSpPr>
-          <p:nvPr>
-            <p:ph idx="1"/>
-          </p:nvPr>
-        </p:nvSpPr>
-        <p:spPr/>
-        <p:txBody>
-          <a:bodyPr/>
-          <a:lstStyle/>
-          <a:p>
-            <a:r>
-              <a:rPr lang="en-US" dirty="0" smtClean="0"/>
-              <a:t>Study 10-1-communicating-objects.rkt in the Examples folder</a:t>
-            </a:r>
-          </a:p>
-          <a:p>
-            <a:r>
-              <a:rPr lang="en-US" dirty="0" smtClean="0"/>
-              <a:t>If you have questions about this lesson, ask them on the Discussion Board</a:t>
-            </a:r>
-          </a:p>
-          <a:p>
-            <a:r>
-              <a:rPr lang="en-US" dirty="0" smtClean="0"/>
-              <a:t>Think about the following question:</a:t>
-            </a:r>
-          </a:p>
-          <a:p>
-            <a:pPr lvl="1"/>
-            <a:r>
-              <a:rPr lang="en-US" dirty="0" smtClean="0"/>
-              <a:t>How would </a:t>
-            </a:r>
-            <a:r>
-              <a:rPr lang="en-US" smtClean="0"/>
-              <a:t>b1 know about b2?</a:t>
-            </a:r>
-            <a:endParaRPr lang="en-US" dirty="0" smtClean="0"/>
-          </a:p>
-          <a:p>
-            <a:r>
-              <a:rPr lang="en-US" dirty="0" smtClean="0"/>
+          <a:p>
+            <a:r>
+              <a:rPr lang="en-US" dirty="0"/>
               <a:t>Go on to the next lesson</a:t>
             </a:r>
-            <a:endParaRPr lang="en-US" dirty="0"/>
           </a:p>
         </p:txBody>
       </p:sp>
@@ -9059,13 +8819,6 @@
   <p:clrMapOvr>
     <a:masterClrMapping/>
   </p:clrMapOvr>
-  <p:timing>
-    <p:tnLst>
-      <p:par>
-        <p:cTn id="1" dur="indefinite" restart="never" nodeType="tmRoot"/>
-      </p:par>
-    </p:tnLst>
-  </p:timing>
 </p:sld>
 </file>
 
@@ -9102,10 +8855,9 @@
           <a:lstStyle/>
           <a:p>
             <a:r>
-              <a:rPr lang="en-US" dirty="0" smtClean="0"/>
+              <a:rPr lang="en-US" dirty="0"/>
               <a:t>Key Points for this Module</a:t>
             </a:r>
-            <a:endParaRPr lang="en-US" dirty="0"/>
           </a:p>
         </p:txBody>
       </p:sp>
@@ -9127,42 +8879,41 @@
           <a:lstStyle/>
           <a:p>
             <a:r>
-              <a:rPr lang="en-US" dirty="0" smtClean="0"/>
+              <a:rPr lang="en-US" dirty="0"/>
               <a:t>Objects can communicate in two basic ways: pull and push.</a:t>
             </a:r>
           </a:p>
           <a:p>
             <a:r>
-              <a:rPr lang="en-US" dirty="0" smtClean="0"/>
+              <a:rPr lang="en-US" dirty="0"/>
               <a:t>Objects must have stable identity in order to communicate reliably</a:t>
             </a:r>
           </a:p>
           <a:p>
             <a:r>
-              <a:rPr lang="en-US" dirty="0" smtClean="0"/>
+              <a:rPr lang="en-US" dirty="0"/>
               <a:t>We use </a:t>
             </a:r>
             <a:r>
-              <a:rPr lang="en-US" dirty="0" err="1" smtClean="0"/>
+              <a:rPr lang="en-US" dirty="0" err="1"/>
               <a:t>stateful</a:t>
             </a:r>
             <a:r>
-              <a:rPr lang="en-US" dirty="0" smtClean="0"/>
+              <a:rPr lang="en-US" dirty="0"/>
               <a:t> objects to implement objects with stable identity.</a:t>
             </a:r>
           </a:p>
           <a:p>
             <a:r>
-              <a:rPr lang="en-US" dirty="0" smtClean="0"/>
+              <a:rPr lang="en-US" dirty="0"/>
               <a:t>Publish-subscribe is a common pattern for implementing push-style communication</a:t>
             </a:r>
           </a:p>
           <a:p>
             <a:r>
-              <a:rPr lang="en-US" dirty="0" smtClean="0"/>
+              <a:rPr lang="en-US" dirty="0"/>
               <a:t>Delegates are a refinement of publish-subscribe.</a:t>
             </a:r>
-            <a:endParaRPr lang="en-US" dirty="0"/>
           </a:p>
         </p:txBody>
       </p:sp>
@@ -9200,13 +8951,6 @@
   <p:clrMapOvr>
     <a:masterClrMapping/>
   </p:clrMapOvr>
-  <p:timing>
-    <p:tnLst>
-      <p:par>
-        <p:cTn id="1" dur="indefinite" restart="never" nodeType="tmRoot"/>
-      </p:par>
-    </p:tnLst>
-  </p:timing>
 </p:sld>
 </file>
 
@@ -9262,10 +9006,9 @@
           <a:p>
             <a:pPr algn="ctr"/>
             <a:r>
-              <a:rPr lang="en-US" dirty="0" smtClean="0"/>
+              <a:rPr lang="en-US" dirty="0"/>
               <a:t>Generalization</a:t>
             </a:r>
-            <a:endParaRPr lang="en-US" dirty="0"/>
           </a:p>
         </p:txBody>
       </p:sp>
@@ -9310,10 +9053,9 @@
           <a:p>
             <a:pPr algn="ctr"/>
             <a:r>
-              <a:rPr lang="en-US" dirty="0" smtClean="0"/>
+              <a:rPr lang="en-US" dirty="0"/>
               <a:t>Over Constants</a:t>
             </a:r>
-            <a:endParaRPr lang="en-US" dirty="0"/>
           </a:p>
         </p:txBody>
       </p:sp>
@@ -9358,7 +9100,7 @@
           <a:p>
             <a:pPr algn="ctr"/>
             <a:r>
-              <a:rPr lang="en-US" dirty="0" smtClean="0"/>
+              <a:rPr lang="en-US" dirty="0"/>
               <a:t>Over Expressions</a:t>
             </a:r>
           </a:p>
@@ -9405,10 +9147,9 @@
           <a:p>
             <a:pPr algn="ctr"/>
             <a:r>
-              <a:rPr lang="en-US" dirty="0" smtClean="0"/>
+              <a:rPr lang="en-US" dirty="0"/>
               <a:t>Over Contexts</a:t>
             </a:r>
-            <a:endParaRPr lang="en-US" dirty="0"/>
           </a:p>
         </p:txBody>
       </p:sp>
@@ -9453,10 +9194,9 @@
           <a:p>
             <a:pPr algn="ctr"/>
             <a:r>
-              <a:rPr lang="en-US" dirty="0" smtClean="0"/>
+              <a:rPr lang="en-US" dirty="0"/>
               <a:t>Over Data Representations</a:t>
             </a:r>
-            <a:endParaRPr lang="en-US" dirty="0"/>
           </a:p>
         </p:txBody>
       </p:sp>
@@ -9501,10 +9241,9 @@
           <a:p>
             <a:pPr algn="ctr"/>
             <a:r>
-              <a:rPr lang="en-US" dirty="0" smtClean="0"/>
+              <a:rPr lang="en-US" dirty="0"/>
               <a:t>Over Method Implementations</a:t>
             </a:r>
-            <a:endParaRPr lang="en-US" dirty="0"/>
           </a:p>
         </p:txBody>
       </p:sp>
@@ -9563,10 +9302,9 @@
             <a:p>
               <a:pPr algn="ctr"/>
               <a:r>
-                <a:rPr lang="en-US" dirty="0" smtClean="0"/>
+                <a:rPr lang="en-US" dirty="0"/>
                 <a:t>Mixed Data</a:t>
               </a:r>
-              <a:endParaRPr lang="en-US" dirty="0"/>
             </a:p>
           </p:txBody>
         </p:sp>
@@ -9605,10 +9343,9 @@
             <a:p>
               <a:pPr algn="ctr"/>
               <a:r>
-                <a:rPr lang="en-US" dirty="0" smtClean="0"/>
+                <a:rPr lang="en-US" dirty="0"/>
                 <a:t>Data Representations</a:t>
               </a:r>
-              <a:endParaRPr lang="en-US" dirty="0"/>
             </a:p>
           </p:txBody>
         </p:sp>
@@ -9653,10 +9390,9 @@
             <a:p>
               <a:pPr algn="ctr"/>
               <a:r>
-                <a:rPr lang="en-US" dirty="0" smtClean="0"/>
+                <a:rPr lang="en-US" dirty="0"/>
                 <a:t>Basics</a:t>
               </a:r>
-              <a:endParaRPr lang="en-US" dirty="0"/>
             </a:p>
           </p:txBody>
         </p:sp>
@@ -9701,10 +9437,9 @@
             <a:p>
               <a:pPr algn="ctr"/>
               <a:r>
-                <a:rPr lang="en-US" dirty="0" smtClean="0"/>
+                <a:rPr lang="en-US" dirty="0"/>
                 <a:t>Recursive Data</a:t>
               </a:r>
-              <a:endParaRPr lang="en-US" dirty="0"/>
             </a:p>
           </p:txBody>
         </p:sp>
@@ -9749,10 +9484,9 @@
             <a:p>
               <a:pPr algn="ctr"/>
               <a:r>
-                <a:rPr lang="en-US" dirty="0" smtClean="0"/>
+                <a:rPr lang="en-US" dirty="0"/>
                 <a:t>Functional Data</a:t>
               </a:r>
-              <a:endParaRPr lang="en-US" dirty="0"/>
             </a:p>
           </p:txBody>
         </p:sp>
@@ -9797,10 +9531,9 @@
             <a:p>
               <a:pPr algn="ctr"/>
               <a:r>
-                <a:rPr lang="en-US" dirty="0" smtClean="0"/>
+                <a:rPr lang="en-US" dirty="0"/>
                 <a:t>Objects &amp; Classes</a:t>
               </a:r>
-              <a:endParaRPr lang="en-US" dirty="0"/>
             </a:p>
           </p:txBody>
         </p:sp>
@@ -9841,14 +9574,13 @@
             <a:p>
               <a:pPr algn="ctr"/>
               <a:r>
-                <a:rPr lang="en-US" dirty="0" err="1" smtClean="0"/>
+                <a:rPr lang="en-US" dirty="0" err="1"/>
                 <a:t>Stateful</a:t>
               </a:r>
               <a:r>
-                <a:rPr lang="en-US" dirty="0" smtClean="0"/>
+                <a:rPr lang="en-US" dirty="0"/>
                 <a:t> Objects</a:t>
               </a:r>
-              <a:endParaRPr lang="en-US" dirty="0"/>
             </a:p>
           </p:txBody>
         </p:sp>
@@ -10151,7 +9883,7 @@
           <a:p>
             <a:pPr algn="ctr"/>
             <a:r>
-              <a:rPr lang="en-US" sz="4400" dirty="0" smtClean="0"/>
+              <a:rPr lang="en-US" sz="4400" dirty="0"/>
               <a:t>Module 10</a:t>
             </a:r>
             <a:endParaRPr lang="en-US" sz="4400" dirty="0">
@@ -10380,10 +10112,9 @@
             <a:p>
               <a:pPr algn="ctr"/>
               <a:r>
-                <a:rPr lang="en-US" dirty="0" smtClean="0"/>
+                <a:rPr lang="en-US" dirty="0"/>
                 <a:t>Design Strategies</a:t>
               </a:r>
-              <a:endParaRPr lang="en-US" dirty="0"/>
             </a:p>
           </p:txBody>
         </p:sp>
@@ -10428,10 +10159,9 @@
             <a:p>
               <a:pPr algn="ctr"/>
               <a:r>
-                <a:rPr lang="en-US" dirty="0" smtClean="0"/>
+                <a:rPr lang="en-US" dirty="0"/>
                 <a:t>Combine simpler functions</a:t>
               </a:r>
-              <a:endParaRPr lang="en-US" dirty="0"/>
             </a:p>
           </p:txBody>
         </p:sp>
@@ -10476,10 +10206,9 @@
             <a:p>
               <a:pPr algn="ctr"/>
               <a:r>
-                <a:rPr lang="en-US" dirty="0" smtClean="0"/>
+                <a:rPr lang="en-US" dirty="0"/>
                 <a:t>Use a template</a:t>
               </a:r>
-              <a:endParaRPr lang="en-US" dirty="0"/>
             </a:p>
           </p:txBody>
         </p:sp>
@@ -10524,10 +10253,9 @@
             <a:p>
               <a:pPr algn="ctr"/>
               <a:r>
-                <a:rPr lang="en-US" dirty="0" smtClean="0"/>
+                <a:rPr lang="en-US" dirty="0"/>
                 <a:t>Divide into Cases</a:t>
               </a:r>
-              <a:endParaRPr lang="en-US" dirty="0"/>
             </a:p>
           </p:txBody>
         </p:sp>
@@ -10572,10 +10300,9 @@
             <a:p>
               <a:pPr algn="ctr"/>
               <a:r>
-                <a:rPr lang="en-US" dirty="0" smtClean="0"/>
+                <a:rPr lang="en-US" dirty="0"/>
                 <a:t>Call a more general function</a:t>
               </a:r>
-              <a:endParaRPr lang="en-US" dirty="0"/>
             </a:p>
           </p:txBody>
         </p:sp>
@@ -10616,10 +10343,9 @@
             <a:p>
               <a:pPr algn="ctr"/>
               <a:r>
-                <a:rPr lang="en-US" dirty="0" smtClean="0"/>
+                <a:rPr lang="en-US" dirty="0"/>
                 <a:t>Communicate via State</a:t>
               </a:r>
-              <a:endParaRPr lang="en-US" dirty="0"/>
             </a:p>
           </p:txBody>
         </p:sp>
@@ -10808,11 +10534,11 @@
             <a:p>
               <a:pPr algn="ctr"/>
               <a:r>
-                <a:rPr lang="en-US" dirty="0" smtClean="0"/>
+                <a:rPr lang="en-US" dirty="0"/>
                 <a:t>Recur on </a:t>
               </a:r>
               <a:r>
-                <a:rPr lang="en-US" dirty="0" err="1" smtClean="0"/>
+                <a:rPr lang="en-US" dirty="0" err="1"/>
                 <a:t>subproblem</a:t>
               </a:r>
               <a:endParaRPr lang="en-US" dirty="0"/>
@@ -10866,13 +10592,6 @@
   <p:clrMapOvr>
     <a:masterClrMapping/>
   </p:clrMapOvr>
-  <p:timing>
-    <p:tnLst>
-      <p:par>
-        <p:cTn id="1" dur="indefinite" restart="never" nodeType="tmRoot"/>
-      </p:par>
-    </p:tnLst>
-  </p:timing>
 </p:sld>
 </file>
 
@@ -10909,10 +10628,9 @@
           <a:lstStyle/>
           <a:p>
             <a:r>
-              <a:rPr lang="en-US" dirty="0" smtClean="0"/>
+              <a:rPr lang="en-US" dirty="0"/>
               <a:t>Key Points for Lesson 10.1</a:t>
             </a:r>
-            <a:endParaRPr lang="en-US" dirty="0"/>
           </a:p>
         </p:txBody>
       </p:sp>
@@ -10934,37 +10652,36 @@
           <a:lstStyle/>
           <a:p>
             <a:r>
-              <a:rPr lang="en-US" dirty="0" smtClean="0"/>
+              <a:rPr lang="en-US" dirty="0"/>
               <a:t>Sometimes you need to combine data from two objects.   </a:t>
             </a:r>
           </a:p>
           <a:p>
             <a:r>
-              <a:rPr lang="en-US" dirty="0" smtClean="0"/>
+              <a:rPr lang="en-US" dirty="0"/>
               <a:t>The data could be combined in 3 possible places:</a:t>
             </a:r>
           </a:p>
           <a:p>
             <a:pPr lvl="1"/>
             <a:r>
-              <a:rPr lang="en-US" dirty="0" smtClean="0"/>
+              <a:rPr lang="en-US" dirty="0"/>
               <a:t>some external function (typical in functional organization, but generally considered bad OO design)</a:t>
             </a:r>
           </a:p>
           <a:p>
             <a:pPr lvl="1"/>
             <a:r>
-              <a:rPr lang="en-US" dirty="0" smtClean="0"/>
+              <a:rPr lang="en-US" dirty="0"/>
               <a:t>asking the other object to give you its data ("pull" model)</a:t>
             </a:r>
           </a:p>
           <a:p>
             <a:pPr lvl="1"/>
             <a:r>
-              <a:rPr lang="en-US" dirty="0" smtClean="0"/>
+              <a:rPr lang="en-US" dirty="0"/>
               <a:t>sending your information to the other object, and asking it to do the computation ("push" model)</a:t>
             </a:r>
-            <a:endParaRPr lang="en-US" dirty="0"/>
           </a:p>
         </p:txBody>
       </p:sp>
@@ -11002,13 +10719,6 @@
   <p:clrMapOvr>
     <a:masterClrMapping/>
   </p:clrMapOvr>
-  <p:timing>
-    <p:tnLst>
-      <p:par>
-        <p:cTn id="1" dur="indefinite" restart="never" nodeType="tmRoot"/>
-      </p:par>
-    </p:tnLst>
-  </p:timing>
 </p:sld>
 </file>
 
@@ -11049,10 +10759,9 @@
           <a:lstStyle/>
           <a:p>
             <a:r>
-              <a:rPr lang="en-US" dirty="0" smtClean="0"/>
+              <a:rPr lang="en-US" dirty="0"/>
               <a:t>Most methods have an obvious home</a:t>
             </a:r>
-            <a:endParaRPr lang="en-US" dirty="0"/>
           </a:p>
         </p:txBody>
       </p:sp>
@@ -11072,27 +10781,26 @@
           <a:lstStyle/>
           <a:p>
             <a:r>
-              <a:rPr lang="en-US" dirty="0" smtClean="0"/>
+              <a:rPr lang="en-US" dirty="0"/>
               <a:t>Most of the time, we want to do calculations in the object where the data is.</a:t>
             </a:r>
           </a:p>
           <a:p>
             <a:r>
-              <a:rPr lang="en-US" dirty="0" smtClean="0"/>
+              <a:rPr lang="en-US" dirty="0"/>
               <a:t>If you need to compute the area of a circle, make that a method of the </a:t>
             </a:r>
             <a:r>
-              <a:rPr lang="en-US" b="1" dirty="0" smtClean="0">
+              <a:rPr lang="en-US" b="1" dirty="0">
                 <a:latin typeface="Consolas" pitchFamily="49" charset="0"/>
                 <a:cs typeface="Consolas" pitchFamily="49" charset="0"/>
               </a:rPr>
               <a:t>Circle%</a:t>
             </a:r>
             <a:r>
-              <a:rPr lang="en-US" dirty="0" smtClean="0"/>
+              <a:rPr lang="en-US" dirty="0"/>
               <a:t> class.</a:t>
             </a:r>
-            <a:endParaRPr lang="en-US" dirty="0"/>
           </a:p>
         </p:txBody>
       </p:sp>
@@ -11130,13 +10838,6 @@
   <p:clrMapOvr>
     <a:masterClrMapping/>
   </p:clrMapOvr>
-  <p:timing>
-    <p:tnLst>
-      <p:par>
-        <p:cTn id="1" dur="indefinite" restart="never" nodeType="tmRoot"/>
-      </p:par>
-    </p:tnLst>
-  </p:timing>
 </p:sld>
 </file>
 
@@ -11175,10 +10876,9 @@
           <a:lstStyle/>
           <a:p>
             <a:r>
-              <a:rPr lang="en-US" dirty="0" smtClean="0"/>
+              <a:rPr lang="en-US" dirty="0"/>
               <a:t>Sometimes you need to combine information from two objects</a:t>
             </a:r>
-            <a:endParaRPr lang="en-US" dirty="0"/>
           </a:p>
         </p:txBody>
       </p:sp>
@@ -11198,18 +10898,14 @@
           <a:lstStyle/>
           <a:p>
             <a:r>
-              <a:rPr lang="en-US" dirty="0" smtClean="0"/>
+              <a:rPr lang="en-US" dirty="0"/>
               <a:t>How do you determine if two balls intersect?</a:t>
             </a:r>
           </a:p>
           <a:p>
             <a:r>
-              <a:rPr lang="en-US" dirty="0" smtClean="0"/>
-              <a:t>Let’s look at three designs</a:t>
-            </a:r>
-            <a:r>
-              <a:rPr lang="en-US" dirty="0"/>
-              <a:t>.</a:t>
+              <a:rPr lang="en-US" dirty="0"/>
+              <a:t>Let’s look at three designs.</a:t>
             </a:r>
           </a:p>
         </p:txBody>
@@ -11248,13 +10944,6 @@
   <p:clrMapOvr>
     <a:masterClrMapping/>
   </p:clrMapOvr>
-  <p:timing>
-    <p:tnLst>
-      <p:par>
-        <p:cTn id="1" dur="indefinite" restart="never" nodeType="tmRoot"/>
-      </p:par>
-    </p:tnLst>
-  </p:timing>
 </p:sld>
 </file>
 
@@ -11288,42 +10977,42 @@
         <p:spPr/>
         <p:txBody>
           <a:bodyPr>
-            <a:normAutofit fontScale="90000"/>
+            <a:normAutofit/>
           </a:bodyPr>
           <a:lstStyle/>
           <a:p>
             <a:r>
-              <a:rPr lang="en-US" dirty="0" smtClean="0"/>
-              <a:t>Design #1</a:t>
-            </a:r>
-            <a:r>
-              <a:rPr lang="en-US" dirty="0"/>
-              <a:t>:</a:t>
-            </a:r>
-            <a:r>
-              <a:rPr lang="en-US" dirty="0" smtClean="0"/>
-              <a:t> Balls as just data structures</a:t>
-            </a:r>
+              <a:rPr lang="en-US" dirty="0"/>
+              <a:t>Design #1: Balls as data structures</a:t>
+            </a:r>
+          </a:p>
+        </p:txBody>
+      </p:sp>
+      <p:sp>
+        <p:nvSpPr>
+          <p:cNvPr id="4" name="Content Placeholder 3"/>
+          <p:cNvSpPr>
+            <a:spLocks noGrp="1"/>
+          </p:cNvSpPr>
+          <p:nvPr>
+            <p:ph idx="1"/>
+          </p:nvPr>
+        </p:nvSpPr>
+        <p:spPr/>
+        <p:txBody>
+          <a:bodyPr>
+            <a:normAutofit fontScale="47500" lnSpcReduction="20000"/>
+          </a:bodyPr>
+          <a:lstStyle/>
+          <a:p>
+            <a:r>
+              <a:rPr lang="en-US" dirty="0"/>
+              <a:t>;; A Ball0 is an object of any class that implements Ball0&lt;%&gt;</a:t>
+            </a:r>
+          </a:p>
+          <a:p>
             <a:endParaRPr lang="en-US" dirty="0"/>
           </a:p>
-        </p:txBody>
-      </p:sp>
-      <p:sp>
-        <p:nvSpPr>
-          <p:cNvPr id="4" name="Content Placeholder 3"/>
-          <p:cNvSpPr>
-            <a:spLocks noGrp="1"/>
-          </p:cNvSpPr>
-          <p:nvPr>
-            <p:ph idx="1"/>
-          </p:nvPr>
-        </p:nvSpPr>
-        <p:spPr/>
-        <p:txBody>
-          <a:bodyPr>
-            <a:normAutofit fontScale="55000" lnSpcReduction="20000"/>
-          </a:bodyPr>
-          <a:lstStyle/>
           <a:p>
             <a:r>
               <a:rPr lang="en-US" dirty="0"/>
@@ -11339,26 +11028,13 @@
           <a:p>
             <a:r>
               <a:rPr lang="en-US" dirty="0"/>
-              <a:t>    ;; -&gt; </a:t>
-            </a:r>
-            <a:r>
-              <a:rPr lang="en-US" dirty="0" smtClean="0"/>
-              <a:t>Integer</a:t>
-            </a:r>
-            <a:endParaRPr lang="en-US" dirty="0"/>
-          </a:p>
-          <a:p>
-            <a:r>
-              <a:rPr lang="en-US" dirty="0"/>
-              <a:t>    ;; </a:t>
-            </a:r>
-            <a:r>
-              <a:rPr lang="en-US" dirty="0" smtClean="0"/>
-              <a:t>RETURN: </a:t>
-            </a:r>
-            <a:r>
-              <a:rPr lang="en-US" dirty="0"/>
-              <a:t>x, y </a:t>
+              <a:t>    ;; -&gt; Integer</a:t>
+            </a:r>
+          </a:p>
+          <a:p>
+            <a:r>
+              <a:rPr lang="en-US" dirty="0"/>
+              <a:t>    ;; RETURN: x, y </a:t>
             </a:r>
             <a:r>
               <a:rPr lang="en-US" dirty="0" err="1"/>
@@ -11415,20 +11091,11 @@
               <a:rPr lang="en-US" dirty="0"/>
               <a:t>-field x y r)  </a:t>
             </a:r>
-            <a:endParaRPr lang="en-US" dirty="0" smtClean="0"/>
-          </a:p>
-          <a:p>
-            <a:r>
-              <a:rPr lang="en-US" dirty="0"/>
-              <a:t> </a:t>
-            </a:r>
-            <a:r>
-              <a:rPr lang="en-US" dirty="0" smtClean="0"/>
-              <a:t>   ; </a:t>
-            </a:r>
-            <a:r>
-              <a:rPr lang="en-US" dirty="0"/>
-              <a:t>interpretation omitted...</a:t>
+          </a:p>
+          <a:p>
+            <a:r>
+              <a:rPr lang="en-US" dirty="0"/>
+              <a:t>    ; interpretation omitted...</a:t>
             </a:r>
           </a:p>
           <a:p>
@@ -11489,19 +11156,21 @@
         </p:nvSpPr>
         <p:spPr>
           <a:xfrm>
-            <a:off x="4994910" y="3268709"/>
+            <a:off x="4738601" y="3507371"/>
             <a:ext cx="4149090" cy="2733885"/>
           </a:xfrm>
           <a:prstGeom prst="rect">
             <a:avLst/>
           </a:prstGeom>
           <a:solidFill>
-            <a:schemeClr val="accent3">
-              <a:lumMod val="40000"/>
-              <a:lumOff val="60000"/>
+            <a:schemeClr val="accent1">
+              <a:lumMod val="20000"/>
+              <a:lumOff val="80000"/>
             </a:schemeClr>
           </a:solidFill>
-          <a:ln/>
+          <a:ln>
+            <a:noFill/>
+          </a:ln>
         </p:spPr>
         <p:style>
           <a:lnRef idx="2">
@@ -11580,13 +11249,6 @@
   <p:clrMapOvr>
     <a:masterClrMapping/>
   </p:clrMapOvr>
-  <p:timing>
-    <p:tnLst>
-      <p:par>
-        <p:cTn id="1" dur="indefinite" restart="never" nodeType="tmRoot"/>
-      </p:par>
-    </p:tnLst>
-  </p:timing>
 </p:sld>
 </file>
 
@@ -11625,10 +11287,9 @@
           <a:lstStyle/>
           <a:p>
             <a:r>
-              <a:rPr lang="en-US" dirty="0" smtClean="0"/>
+              <a:rPr lang="en-US" dirty="0"/>
               <a:t>Implementation of first design</a:t>
             </a:r>
-            <a:endParaRPr lang="en-US" dirty="0"/>
           </a:p>
         </p:txBody>
       </p:sp>
@@ -11651,7 +11312,15 @@
           <a:p>
             <a:r>
               <a:rPr lang="en-US" sz="2000" dirty="0"/>
-              <a:t>;; Ball0&lt;%&gt; Ball0&lt;%&gt; -&gt; Boolean</a:t>
+              <a:t>;; Ball0 </a:t>
+            </a:r>
+            <a:r>
+              <a:rPr lang="en-US" sz="2000" dirty="0" err="1"/>
+              <a:t>Ball0</a:t>
+            </a:r>
+            <a:r>
+              <a:rPr lang="en-US" sz="2000" dirty="0"/>
+              <a:t> -&gt; Boolean</a:t>
             </a:r>
           </a:p>
           <a:p>
@@ -11663,13 +11332,8 @@
           <a:p>
             <a:r>
               <a:rPr lang="en-US" sz="2000" dirty="0"/>
-              <a:t>  </a:t>
-            </a:r>
-            <a:r>
-              <a:rPr lang="en-US" sz="2000" dirty="0" smtClean="0"/>
-              <a:t>(coordinates-intersect?</a:t>
-            </a:r>
-            <a:endParaRPr lang="en-US" sz="2000" dirty="0"/>
+              <a:t>  (coordinates-intersect?</a:t>
+            </a:r>
           </a:p>
           <a:p>
             <a:r>
@@ -11689,15 +11353,7 @@
           <a:p>
             <a:r>
               <a:rPr lang="en-US" sz="2000" dirty="0"/>
-              <a:t>(define </a:t>
-            </a:r>
-            <a:r>
-              <a:rPr lang="en-US" sz="2000" dirty="0" smtClean="0"/>
-              <a:t>(coordinates-intersect? </a:t>
-            </a:r>
-            <a:r>
-              <a:rPr lang="en-US" sz="2000" dirty="0"/>
-              <a:t>x1 y1 r1 x2 y2 r2)</a:t>
+              <a:t>(define (coordinates-intersect? x1 y1 r1 x2 y2 r2)</a:t>
             </a:r>
           </a:p>
           <a:p>
@@ -11794,7 +11450,7 @@
         </p:blipFill>
         <p:spPr bwMode="auto">
           <a:xfrm>
-            <a:off x="3603877" y="5413815"/>
+            <a:off x="4530387" y="4972163"/>
             <a:ext cx="1154000" cy="1154000"/>
           </a:xfrm>
           <a:prstGeom prst="rect">
@@ -11827,19 +11483,21 @@
         </p:nvSpPr>
         <p:spPr>
           <a:xfrm>
-            <a:off x="5562289" y="4996372"/>
-            <a:ext cx="2915322" cy="1444185"/>
+            <a:off x="6067980" y="4191294"/>
+            <a:ext cx="2915322" cy="2180284"/>
           </a:xfrm>
           <a:prstGeom prst="rect">
             <a:avLst/>
           </a:prstGeom>
           <a:solidFill>
-            <a:schemeClr val="accent3">
-              <a:lumMod val="40000"/>
-              <a:lumOff val="60000"/>
+            <a:schemeClr val="accent1">
+              <a:lumMod val="20000"/>
+              <a:lumOff val="80000"/>
             </a:schemeClr>
           </a:solidFill>
-          <a:ln/>
+          <a:ln>
+            <a:noFill/>
+          </a:ln>
         </p:spPr>
         <p:style>
           <a:lnRef idx="2">
@@ -11865,22 +11523,17 @@
           <a:lstStyle/>
           <a:p>
             <a:r>
-              <a:rPr lang="en-US" dirty="0" smtClean="0"/>
-              <a:t>This is </a:t>
-            </a:r>
-            <a:r>
-              <a:rPr lang="en-US" dirty="0"/>
-              <a:t>considered poor OO design:  we are just using objects as </a:t>
+              <a:rPr lang="en-US" dirty="0"/>
+              <a:t>This is  poor OO design:  we are just using objects as </a:t>
             </a:r>
             <a:r>
               <a:rPr lang="en-US" dirty="0" err="1"/>
               <a:t>structs</a:t>
             </a:r>
             <a:r>
-              <a:rPr lang="en-US" dirty="0" smtClean="0"/>
-              <a:t>!  We want to package the computation with the data.</a:t>
-            </a:r>
-            <a:endParaRPr lang="en-US" dirty="0"/>
+              <a:rPr lang="en-US" dirty="0"/>
+              <a:t>!  In OO, the point is to package the computation with the data, so other parts of the program don't have to know how the information is represented.</a:t>
+            </a:r>
           </a:p>
         </p:txBody>
       </p:sp>
@@ -12062,47 +11715,42 @@
           <a:lstStyle/>
           <a:p>
             <a:r>
-              <a:rPr lang="en-US" dirty="0" smtClean="0"/>
-              <a:t>Design #2</a:t>
-            </a:r>
-            <a:r>
-              <a:rPr lang="en-US" dirty="0"/>
-              <a:t>:</a:t>
-            </a:r>
-            <a:r>
-              <a:rPr lang="en-US" dirty="0" smtClean="0"/>
-              <a:t> Collaborate by pulling information from the other object</a:t>
-            </a:r>
+              <a:rPr lang="en-US" dirty="0"/>
+              <a:t>Design #2: Collaborate by pulling information from the other object</a:t>
+            </a:r>
+          </a:p>
+        </p:txBody>
+      </p:sp>
+      <p:sp>
+        <p:nvSpPr>
+          <p:cNvPr id="3" name="Content Placeholder 2"/>
+          <p:cNvSpPr>
+            <a:spLocks noGrp="1"/>
+          </p:cNvSpPr>
+          <p:nvPr>
+            <p:ph idx="1"/>
+          </p:nvPr>
+        </p:nvSpPr>
+        <p:spPr/>
+        <p:txBody>
+          <a:bodyPr>
+            <a:normAutofit fontScale="55000" lnSpcReduction="20000"/>
+          </a:bodyPr>
+          <a:lstStyle/>
+          <a:p>
+            <a:r>
+              <a:rPr lang="en-US" dirty="0"/>
+              <a:t>;; A Ball1 is an object of any class that implements Ball1&lt;%&gt;</a:t>
+            </a:r>
+          </a:p>
+          <a:p>
             <a:endParaRPr lang="en-US" dirty="0"/>
           </a:p>
-        </p:txBody>
-      </p:sp>
-      <p:sp>
-        <p:nvSpPr>
-          <p:cNvPr id="3" name="Content Placeholder 2"/>
-          <p:cNvSpPr>
-            <a:spLocks noGrp="1"/>
-          </p:cNvSpPr>
-          <p:nvPr>
-            <p:ph idx="1"/>
-          </p:nvPr>
-        </p:nvSpPr>
-        <p:spPr/>
-        <p:txBody>
-          <a:bodyPr>
-            <a:normAutofit fontScale="70000" lnSpcReduction="20000"/>
-          </a:bodyPr>
-          <a:lstStyle/>
-          <a:p>
-            <a:r>
-              <a:rPr lang="en-US" dirty="0"/>
-              <a:t>(define </a:t>
-            </a:r>
-            <a:r>
-              <a:rPr lang="en-US" dirty="0" smtClean="0"/>
-              <a:t>Ball-Pull&lt;%&gt;</a:t>
-            </a:r>
-            <a:endParaRPr lang="en-US" dirty="0"/>
+          <a:p>
+            <a:r>
+              <a:rPr lang="en-US" dirty="0"/>
+              <a:t>(define Ball1&lt;%&gt;</a:t>
+            </a:r>
           </a:p>
           <a:p>
             <a:r>
@@ -12113,26 +11761,13 @@
           <a:p>
             <a:r>
               <a:rPr lang="en-US" dirty="0"/>
-              <a:t>    ;; -&gt; </a:t>
-            </a:r>
-            <a:r>
-              <a:rPr lang="en-US" dirty="0" smtClean="0"/>
-              <a:t>Integer</a:t>
-            </a:r>
-            <a:endParaRPr lang="en-US" dirty="0"/>
-          </a:p>
-          <a:p>
-            <a:r>
-              <a:rPr lang="en-US" dirty="0"/>
-              <a:t>    ;; </a:t>
-            </a:r>
-            <a:r>
-              <a:rPr lang="en-US" dirty="0" smtClean="0"/>
-              <a:t>RETURN: </a:t>
-            </a:r>
-            <a:r>
-              <a:rPr lang="en-US" dirty="0"/>
-              <a:t>x, y </a:t>
+              <a:t>    ;; -&gt; Integer</a:t>
+            </a:r>
+          </a:p>
+          <a:p>
+            <a:r>
+              <a:rPr lang="en-US" dirty="0"/>
+              <a:t>    ;; RETURN: x, y </a:t>
             </a:r>
             <a:r>
               <a:rPr lang="en-US" dirty="0" err="1"/>
@@ -12140,22 +11775,13 @@
             </a:r>
             <a:r>
               <a:rPr lang="en-US" dirty="0"/>
-              <a:t> of center and radius, </a:t>
-            </a:r>
-            <a:endParaRPr lang="en-US" dirty="0" smtClean="0"/>
-          </a:p>
-          <a:p>
-            <a:r>
-              <a:rPr lang="en-US" dirty="0"/>
-              <a:t> </a:t>
-            </a:r>
-            <a:r>
-              <a:rPr lang="en-US" dirty="0" smtClean="0"/>
-              <a:t>   ;; all </a:t>
-            </a:r>
-            <a:r>
-              <a:rPr lang="en-US" dirty="0"/>
-              <a:t>in pixels</a:t>
+              <a:t> of center </a:t>
+            </a:r>
+          </a:p>
+          <a:p>
+            <a:r>
+              <a:rPr lang="en-US" dirty="0"/>
+              <a:t>    ;; and radius, all in pixels</a:t>
             </a:r>
           </a:p>
           <a:p>
@@ -12182,21 +11808,13 @@
           <a:p>
             <a:r>
               <a:rPr lang="en-US" dirty="0"/>
-              <a:t>    ;; Ball1&lt;%&gt; -&gt; Boolean</a:t>
-            </a:r>
-          </a:p>
-          <a:p>
-            <a:r>
-              <a:rPr lang="en-US" dirty="0"/>
-              <a:t>    ;; Does </a:t>
-            </a:r>
-            <a:r>
-              <a:rPr lang="en-US" dirty="0" smtClean="0"/>
-              <a:t>the given ball intersect with this one</a:t>
-            </a:r>
-            <a:r>
-              <a:rPr lang="en-US" dirty="0"/>
-              <a:t>?</a:t>
+              <a:t>    ;; Ball1 -&gt; Boolean</a:t>
+            </a:r>
+          </a:p>
+          <a:p>
+            <a:r>
+              <a:rPr lang="en-US" dirty="0"/>
+              <a:t>    ;; Does the given ball intersect with this one?</a:t>
             </a:r>
           </a:p>
           <a:p>
@@ -12249,19 +11867,21 @@
         </p:nvSpPr>
         <p:spPr>
           <a:xfrm>
-            <a:off x="5120641" y="3038168"/>
+            <a:off x="5453151" y="2414524"/>
             <a:ext cx="2990625" cy="1662924"/>
           </a:xfrm>
           <a:prstGeom prst="rect">
             <a:avLst/>
           </a:prstGeom>
           <a:solidFill>
-            <a:schemeClr val="accent3">
-              <a:lumMod val="40000"/>
-              <a:lumOff val="60000"/>
+            <a:schemeClr val="accent1">
+              <a:lumMod val="20000"/>
+              <a:lumOff val="80000"/>
             </a:schemeClr>
           </a:solidFill>
-          <a:ln/>
+          <a:ln>
+            <a:noFill/>
+          </a:ln>
         </p:spPr>
         <p:style>
           <a:lnRef idx="2">
@@ -12296,15 +11916,7 @@
             </a:r>
             <a:r>
               <a:rPr lang="en-US" sz="2400" dirty="0"/>
-              <a:t>to </a:t>
-            </a:r>
-            <a:r>
-              <a:rPr lang="en-US" sz="2400" dirty="0" smtClean="0"/>
-              <a:t>the </a:t>
-            </a:r>
-            <a:r>
-              <a:rPr lang="en-US" sz="2400" dirty="0"/>
-              <a:t>interface. </a:t>
+              <a:t>to the interface. </a:t>
             </a:r>
           </a:p>
         </p:txBody>
@@ -12319,13 +11931,6 @@
   <p:clrMapOvr>
     <a:masterClrMapping/>
   </p:clrMapOvr>
-  <p:timing>
-    <p:tnLst>
-      <p:par>
-        <p:cTn id="1" dur="indefinite" restart="never" nodeType="tmRoot"/>
-      </p:par>
-    </p:tnLst>
-  </p:timing>
 </p:sld>
 </file>
 
